--- a/Figures and Paper/Figure PPTs/Class Figure.pptx
+++ b/Figures and Paper/Figure PPTs/Class Figure.pptx
@@ -2,12 +2,12 @@
 <file path=ppt/presentation.xml><?xml version="1.0" encoding="utf-8"?>
 <p:presentation xmlns:a="http://schemas.openxmlformats.org/drawingml/2006/main" xmlns:r="http://schemas.openxmlformats.org/officeDocument/2006/relationships" xmlns:p="http://schemas.openxmlformats.org/presentationml/2006/main" saveSubsetFonts="1">
   <p:sldMasterIdLst>
-    <p:sldMasterId id="2147483660" r:id="rId1"/>
+    <p:sldMasterId id="2147483684" r:id="rId1"/>
   </p:sldMasterIdLst>
   <p:sldIdLst>
     <p:sldId id="256" r:id="rId2"/>
   </p:sldIdLst>
-  <p:sldSz cx="9144000" cy="13716000"/>
+  <p:sldSz cx="3657600" cy="12344400"/>
   <p:notesSz cx="6858000" cy="9144000"/>
   <p:defaultTextStyle>
     <a:defPPr>
@@ -141,15 +141,15 @@
         </p:nvSpPr>
         <p:spPr>
           <a:xfrm>
-            <a:off x="685800" y="2244726"/>
-            <a:ext cx="7772400" cy="4775200"/>
+            <a:off x="274320" y="2020253"/>
+            <a:ext cx="3108960" cy="4297680"/>
           </a:xfrm>
         </p:spPr>
         <p:txBody>
           <a:bodyPr anchor="b"/>
           <a:lstStyle>
             <a:lvl1pPr algn="ctr">
-              <a:defRPr sz="6000"/>
+              <a:defRPr sz="2400"/>
             </a:lvl1pPr>
           </a:lstStyle>
           <a:p>
@@ -173,8 +173,8 @@
         </p:nvSpPr>
         <p:spPr>
           <a:xfrm>
-            <a:off x="1143000" y="7204076"/>
-            <a:ext cx="6858000" cy="3311524"/>
+            <a:off x="457200" y="6483668"/>
+            <a:ext cx="2743200" cy="2980372"/>
           </a:xfrm>
         </p:spPr>
         <p:txBody>
@@ -182,39 +182,39 @@
           <a:lstStyle>
             <a:lvl1pPr marL="0" indent="0" algn="ctr">
               <a:buNone/>
-              <a:defRPr sz="2400"/>
+              <a:defRPr sz="960"/>
             </a:lvl1pPr>
-            <a:lvl2pPr marL="457200" indent="0" algn="ctr">
+            <a:lvl2pPr marL="182880" indent="0" algn="ctr">
               <a:buNone/>
-              <a:defRPr sz="2000"/>
+              <a:defRPr sz="800"/>
             </a:lvl2pPr>
-            <a:lvl3pPr marL="914400" indent="0" algn="ctr">
+            <a:lvl3pPr marL="365760" indent="0" algn="ctr">
               <a:buNone/>
-              <a:defRPr sz="1800"/>
+              <a:defRPr sz="720"/>
             </a:lvl3pPr>
-            <a:lvl4pPr marL="1371600" indent="0" algn="ctr">
+            <a:lvl4pPr marL="548640" indent="0" algn="ctr">
               <a:buNone/>
-              <a:defRPr sz="1600"/>
+              <a:defRPr sz="640"/>
             </a:lvl4pPr>
-            <a:lvl5pPr marL="1828800" indent="0" algn="ctr">
+            <a:lvl5pPr marL="731520" indent="0" algn="ctr">
               <a:buNone/>
-              <a:defRPr sz="1600"/>
+              <a:defRPr sz="640"/>
             </a:lvl5pPr>
-            <a:lvl6pPr marL="2286000" indent="0" algn="ctr">
+            <a:lvl6pPr marL="914400" indent="0" algn="ctr">
               <a:buNone/>
-              <a:defRPr sz="1600"/>
+              <a:defRPr sz="640"/>
             </a:lvl6pPr>
-            <a:lvl7pPr marL="2743200" indent="0" algn="ctr">
+            <a:lvl7pPr marL="1097280" indent="0" algn="ctr">
               <a:buNone/>
-              <a:defRPr sz="1600"/>
+              <a:defRPr sz="640"/>
             </a:lvl7pPr>
-            <a:lvl8pPr marL="3200400" indent="0" algn="ctr">
+            <a:lvl8pPr marL="1280160" indent="0" algn="ctr">
               <a:buNone/>
-              <a:defRPr sz="1600"/>
+              <a:defRPr sz="640"/>
             </a:lvl8pPr>
-            <a:lvl9pPr marL="3657600" indent="0" algn="ctr">
+            <a:lvl9pPr marL="1463040" indent="0" algn="ctr">
               <a:buNone/>
-              <a:defRPr sz="1600"/>
+              <a:defRPr sz="640"/>
             </a:lvl9pPr>
           </a:lstStyle>
           <a:p>
@@ -243,7 +243,7 @@
           <a:p>
             <a:fld id="{FB2CE3CC-2201-47B7-9E17-B5AFA0C49CFE}" type="datetimeFigureOut">
               <a:rPr lang="en-US" smtClean="0"/>
-              <a:t>8/5/2022</a:t>
+              <a:t>9/14/2022</a:t>
             </a:fld>
             <a:endParaRPr lang="en-US"/>
           </a:p>
@@ -294,7 +294,7 @@
     </p:spTree>
     <p:extLst>
       <p:ext uri="{BB962C8B-B14F-4D97-AF65-F5344CB8AC3E}">
-        <p14:creationId xmlns:p14="http://schemas.microsoft.com/office/powerpoint/2010/main" val="223522077"/>
+        <p14:creationId xmlns:p14="http://schemas.microsoft.com/office/powerpoint/2010/main" val="1191176598"/>
       </p:ext>
     </p:extLst>
   </p:cSld>
@@ -413,7 +413,7 @@
           <a:p>
             <a:fld id="{FB2CE3CC-2201-47B7-9E17-B5AFA0C49CFE}" type="datetimeFigureOut">
               <a:rPr lang="en-US" smtClean="0"/>
-              <a:t>8/5/2022</a:t>
+              <a:t>9/14/2022</a:t>
             </a:fld>
             <a:endParaRPr lang="en-US"/>
           </a:p>
@@ -464,7 +464,7 @@
     </p:spTree>
     <p:extLst>
       <p:ext uri="{BB962C8B-B14F-4D97-AF65-F5344CB8AC3E}">
-        <p14:creationId xmlns:p14="http://schemas.microsoft.com/office/powerpoint/2010/main" val="3330041893"/>
+        <p14:creationId xmlns:p14="http://schemas.microsoft.com/office/powerpoint/2010/main" val="2606156204"/>
       </p:ext>
     </p:extLst>
   </p:cSld>
@@ -503,8 +503,8 @@
         </p:nvSpPr>
         <p:spPr>
           <a:xfrm>
-            <a:off x="6543676" y="730250"/>
-            <a:ext cx="1971675" cy="11623676"/>
+            <a:off x="2617470" y="657225"/>
+            <a:ext cx="788670" cy="10461308"/>
           </a:xfrm>
         </p:spPr>
         <p:txBody>
@@ -531,8 +531,8 @@
         </p:nvSpPr>
         <p:spPr>
           <a:xfrm>
-            <a:off x="628651" y="730250"/>
-            <a:ext cx="5800725" cy="11623676"/>
+            <a:off x="251460" y="657225"/>
+            <a:ext cx="2320290" cy="10461308"/>
           </a:xfrm>
         </p:spPr>
         <p:txBody>
@@ -593,7 +593,7 @@
           <a:p>
             <a:fld id="{FB2CE3CC-2201-47B7-9E17-B5AFA0C49CFE}" type="datetimeFigureOut">
               <a:rPr lang="en-US" smtClean="0"/>
-              <a:t>8/5/2022</a:t>
+              <a:t>9/14/2022</a:t>
             </a:fld>
             <a:endParaRPr lang="en-US"/>
           </a:p>
@@ -644,7 +644,7 @@
     </p:spTree>
     <p:extLst>
       <p:ext uri="{BB962C8B-B14F-4D97-AF65-F5344CB8AC3E}">
-        <p14:creationId xmlns:p14="http://schemas.microsoft.com/office/powerpoint/2010/main" val="495792777"/>
+        <p14:creationId xmlns:p14="http://schemas.microsoft.com/office/powerpoint/2010/main" val="264398500"/>
       </p:ext>
     </p:extLst>
   </p:cSld>
@@ -763,7 +763,7 @@
           <a:p>
             <a:fld id="{FB2CE3CC-2201-47B7-9E17-B5AFA0C49CFE}" type="datetimeFigureOut">
               <a:rPr lang="en-US" smtClean="0"/>
-              <a:t>8/5/2022</a:t>
+              <a:t>9/14/2022</a:t>
             </a:fld>
             <a:endParaRPr lang="en-US"/>
           </a:p>
@@ -814,7 +814,7 @@
     </p:spTree>
     <p:extLst>
       <p:ext uri="{BB962C8B-B14F-4D97-AF65-F5344CB8AC3E}">
-        <p14:creationId xmlns:p14="http://schemas.microsoft.com/office/powerpoint/2010/main" val="4235002017"/>
+        <p14:creationId xmlns:p14="http://schemas.microsoft.com/office/powerpoint/2010/main" val="4040293268"/>
       </p:ext>
     </p:extLst>
   </p:cSld>
@@ -853,15 +853,15 @@
         </p:nvSpPr>
         <p:spPr>
           <a:xfrm>
-            <a:off x="623888" y="3419479"/>
-            <a:ext cx="7886700" cy="5705474"/>
+            <a:off x="249555" y="3077531"/>
+            <a:ext cx="3154680" cy="5134927"/>
           </a:xfrm>
         </p:spPr>
         <p:txBody>
           <a:bodyPr anchor="b"/>
           <a:lstStyle>
             <a:lvl1pPr>
-              <a:defRPr sz="6000"/>
+              <a:defRPr sz="2400"/>
             </a:lvl1pPr>
           </a:lstStyle>
           <a:p>
@@ -885,8 +885,8 @@
         </p:nvSpPr>
         <p:spPr>
           <a:xfrm>
-            <a:off x="623888" y="9178929"/>
-            <a:ext cx="7886700" cy="3000374"/>
+            <a:off x="249555" y="8261036"/>
+            <a:ext cx="3154680" cy="2700337"/>
           </a:xfrm>
         </p:spPr>
         <p:txBody>
@@ -894,15 +894,15 @@
           <a:lstStyle>
             <a:lvl1pPr marL="0" indent="0">
               <a:buNone/>
-              <a:defRPr sz="2400">
+              <a:defRPr sz="960">
                 <a:solidFill>
                   <a:schemeClr val="tx1"/>
                 </a:solidFill>
               </a:defRPr>
             </a:lvl1pPr>
-            <a:lvl2pPr marL="457200" indent="0">
+            <a:lvl2pPr marL="182880" indent="0">
               <a:buNone/>
-              <a:defRPr sz="2000">
+              <a:defRPr sz="800">
                 <a:solidFill>
                   <a:schemeClr val="tx1">
                     <a:tint val="75000"/>
@@ -910,9 +910,9 @@
                 </a:solidFill>
               </a:defRPr>
             </a:lvl2pPr>
-            <a:lvl3pPr marL="914400" indent="0">
+            <a:lvl3pPr marL="365760" indent="0">
               <a:buNone/>
-              <a:defRPr sz="1800">
+              <a:defRPr sz="720">
                 <a:solidFill>
                   <a:schemeClr val="tx1">
                     <a:tint val="75000"/>
@@ -920,9 +920,9 @@
                 </a:solidFill>
               </a:defRPr>
             </a:lvl3pPr>
-            <a:lvl4pPr marL="1371600" indent="0">
+            <a:lvl4pPr marL="548640" indent="0">
               <a:buNone/>
-              <a:defRPr sz="1600">
+              <a:defRPr sz="640">
                 <a:solidFill>
                   <a:schemeClr val="tx1">
                     <a:tint val="75000"/>
@@ -930,9 +930,9 @@
                 </a:solidFill>
               </a:defRPr>
             </a:lvl4pPr>
-            <a:lvl5pPr marL="1828800" indent="0">
+            <a:lvl5pPr marL="731520" indent="0">
               <a:buNone/>
-              <a:defRPr sz="1600">
+              <a:defRPr sz="640">
                 <a:solidFill>
                   <a:schemeClr val="tx1">
                     <a:tint val="75000"/>
@@ -940,9 +940,9 @@
                 </a:solidFill>
               </a:defRPr>
             </a:lvl5pPr>
-            <a:lvl6pPr marL="2286000" indent="0">
+            <a:lvl6pPr marL="914400" indent="0">
               <a:buNone/>
-              <a:defRPr sz="1600">
+              <a:defRPr sz="640">
                 <a:solidFill>
                   <a:schemeClr val="tx1">
                     <a:tint val="75000"/>
@@ -950,9 +950,9 @@
                 </a:solidFill>
               </a:defRPr>
             </a:lvl6pPr>
-            <a:lvl7pPr marL="2743200" indent="0">
+            <a:lvl7pPr marL="1097280" indent="0">
               <a:buNone/>
-              <a:defRPr sz="1600">
+              <a:defRPr sz="640">
                 <a:solidFill>
                   <a:schemeClr val="tx1">
                     <a:tint val="75000"/>
@@ -960,9 +960,9 @@
                 </a:solidFill>
               </a:defRPr>
             </a:lvl7pPr>
-            <a:lvl8pPr marL="3200400" indent="0">
+            <a:lvl8pPr marL="1280160" indent="0">
               <a:buNone/>
-              <a:defRPr sz="1600">
+              <a:defRPr sz="640">
                 <a:solidFill>
                   <a:schemeClr val="tx1">
                     <a:tint val="75000"/>
@@ -970,9 +970,9 @@
                 </a:solidFill>
               </a:defRPr>
             </a:lvl8pPr>
-            <a:lvl9pPr marL="3657600" indent="0">
+            <a:lvl9pPr marL="1463040" indent="0">
               <a:buNone/>
-              <a:defRPr sz="1600">
+              <a:defRPr sz="640">
                 <a:solidFill>
                   <a:schemeClr val="tx1">
                     <a:tint val="75000"/>
@@ -1007,7 +1007,7 @@
           <a:p>
             <a:fld id="{FB2CE3CC-2201-47B7-9E17-B5AFA0C49CFE}" type="datetimeFigureOut">
               <a:rPr lang="en-US" smtClean="0"/>
-              <a:t>8/5/2022</a:t>
+              <a:t>9/14/2022</a:t>
             </a:fld>
             <a:endParaRPr lang="en-US"/>
           </a:p>
@@ -1058,7 +1058,7 @@
     </p:spTree>
     <p:extLst>
       <p:ext uri="{BB962C8B-B14F-4D97-AF65-F5344CB8AC3E}">
-        <p14:creationId xmlns:p14="http://schemas.microsoft.com/office/powerpoint/2010/main" val="4173105099"/>
+        <p14:creationId xmlns:p14="http://schemas.microsoft.com/office/powerpoint/2010/main" val="3728087163"/>
       </p:ext>
     </p:extLst>
   </p:cSld>
@@ -1120,8 +1120,8 @@
         </p:nvSpPr>
         <p:spPr>
           <a:xfrm>
-            <a:off x="628650" y="3651250"/>
-            <a:ext cx="3886200" cy="8702676"/>
+            <a:off x="251460" y="3286125"/>
+            <a:ext cx="1554480" cy="7832408"/>
           </a:xfrm>
         </p:spPr>
         <p:txBody>
@@ -1177,8 +1177,8 @@
         </p:nvSpPr>
         <p:spPr>
           <a:xfrm>
-            <a:off x="4629150" y="3651250"/>
-            <a:ext cx="3886200" cy="8702676"/>
+            <a:off x="1851660" y="3286125"/>
+            <a:ext cx="1554480" cy="7832408"/>
           </a:xfrm>
         </p:spPr>
         <p:txBody>
@@ -1239,7 +1239,7 @@
           <a:p>
             <a:fld id="{FB2CE3CC-2201-47B7-9E17-B5AFA0C49CFE}" type="datetimeFigureOut">
               <a:rPr lang="en-US" smtClean="0"/>
-              <a:t>8/5/2022</a:t>
+              <a:t>9/14/2022</a:t>
             </a:fld>
             <a:endParaRPr lang="en-US"/>
           </a:p>
@@ -1290,7 +1290,7 @@
     </p:spTree>
     <p:extLst>
       <p:ext uri="{BB962C8B-B14F-4D97-AF65-F5344CB8AC3E}">
-        <p14:creationId xmlns:p14="http://schemas.microsoft.com/office/powerpoint/2010/main" val="2176974424"/>
+        <p14:creationId xmlns:p14="http://schemas.microsoft.com/office/powerpoint/2010/main" val="3835934249"/>
       </p:ext>
     </p:extLst>
   </p:cSld>
@@ -1329,8 +1329,8 @@
         </p:nvSpPr>
         <p:spPr>
           <a:xfrm>
-            <a:off x="629841" y="730253"/>
-            <a:ext cx="7886700" cy="2651126"/>
+            <a:off x="251936" y="657228"/>
+            <a:ext cx="3154680" cy="2386013"/>
           </a:xfrm>
         </p:spPr>
         <p:txBody>
@@ -1357,8 +1357,8 @@
         </p:nvSpPr>
         <p:spPr>
           <a:xfrm>
-            <a:off x="629842" y="3362326"/>
-            <a:ext cx="3868340" cy="1647824"/>
+            <a:off x="251937" y="3026093"/>
+            <a:ext cx="1547336" cy="1483042"/>
           </a:xfrm>
         </p:spPr>
         <p:txBody>
@@ -1366,39 +1366,39 @@
           <a:lstStyle>
             <a:lvl1pPr marL="0" indent="0">
               <a:buNone/>
-              <a:defRPr sz="2400" b="1"/>
+              <a:defRPr sz="960" b="1"/>
             </a:lvl1pPr>
-            <a:lvl2pPr marL="457200" indent="0">
+            <a:lvl2pPr marL="182880" indent="0">
               <a:buNone/>
-              <a:defRPr sz="2000" b="1"/>
+              <a:defRPr sz="800" b="1"/>
             </a:lvl2pPr>
-            <a:lvl3pPr marL="914400" indent="0">
+            <a:lvl3pPr marL="365760" indent="0">
               <a:buNone/>
-              <a:defRPr sz="1800" b="1"/>
+              <a:defRPr sz="720" b="1"/>
             </a:lvl3pPr>
-            <a:lvl4pPr marL="1371600" indent="0">
+            <a:lvl4pPr marL="548640" indent="0">
               <a:buNone/>
-              <a:defRPr sz="1600" b="1"/>
+              <a:defRPr sz="640" b="1"/>
             </a:lvl4pPr>
-            <a:lvl5pPr marL="1828800" indent="0">
+            <a:lvl5pPr marL="731520" indent="0">
               <a:buNone/>
-              <a:defRPr sz="1600" b="1"/>
+              <a:defRPr sz="640" b="1"/>
             </a:lvl5pPr>
-            <a:lvl6pPr marL="2286000" indent="0">
+            <a:lvl6pPr marL="914400" indent="0">
               <a:buNone/>
-              <a:defRPr sz="1600" b="1"/>
+              <a:defRPr sz="640" b="1"/>
             </a:lvl6pPr>
-            <a:lvl7pPr marL="2743200" indent="0">
+            <a:lvl7pPr marL="1097280" indent="0">
               <a:buNone/>
-              <a:defRPr sz="1600" b="1"/>
+              <a:defRPr sz="640" b="1"/>
             </a:lvl7pPr>
-            <a:lvl8pPr marL="3200400" indent="0">
+            <a:lvl8pPr marL="1280160" indent="0">
               <a:buNone/>
-              <a:defRPr sz="1600" b="1"/>
+              <a:defRPr sz="640" b="1"/>
             </a:lvl8pPr>
-            <a:lvl9pPr marL="3657600" indent="0">
+            <a:lvl9pPr marL="1463040" indent="0">
               <a:buNone/>
-              <a:defRPr sz="1600" b="1"/>
+              <a:defRPr sz="640" b="1"/>
             </a:lvl9pPr>
           </a:lstStyle>
           <a:p>
@@ -1422,8 +1422,8 @@
         </p:nvSpPr>
         <p:spPr>
           <a:xfrm>
-            <a:off x="629842" y="5010150"/>
-            <a:ext cx="3868340" cy="7369176"/>
+            <a:off x="251937" y="4509135"/>
+            <a:ext cx="1547336" cy="6632258"/>
           </a:xfrm>
         </p:spPr>
         <p:txBody>
@@ -1479,8 +1479,8 @@
         </p:nvSpPr>
         <p:spPr>
           <a:xfrm>
-            <a:off x="4629151" y="3362326"/>
-            <a:ext cx="3887391" cy="1647824"/>
+            <a:off x="1851660" y="3026093"/>
+            <a:ext cx="1554956" cy="1483042"/>
           </a:xfrm>
         </p:spPr>
         <p:txBody>
@@ -1488,39 +1488,39 @@
           <a:lstStyle>
             <a:lvl1pPr marL="0" indent="0">
               <a:buNone/>
-              <a:defRPr sz="2400" b="1"/>
+              <a:defRPr sz="960" b="1"/>
             </a:lvl1pPr>
-            <a:lvl2pPr marL="457200" indent="0">
+            <a:lvl2pPr marL="182880" indent="0">
               <a:buNone/>
-              <a:defRPr sz="2000" b="1"/>
+              <a:defRPr sz="800" b="1"/>
             </a:lvl2pPr>
-            <a:lvl3pPr marL="914400" indent="0">
+            <a:lvl3pPr marL="365760" indent="0">
               <a:buNone/>
-              <a:defRPr sz="1800" b="1"/>
+              <a:defRPr sz="720" b="1"/>
             </a:lvl3pPr>
-            <a:lvl4pPr marL="1371600" indent="0">
+            <a:lvl4pPr marL="548640" indent="0">
               <a:buNone/>
-              <a:defRPr sz="1600" b="1"/>
+              <a:defRPr sz="640" b="1"/>
             </a:lvl4pPr>
-            <a:lvl5pPr marL="1828800" indent="0">
+            <a:lvl5pPr marL="731520" indent="0">
               <a:buNone/>
-              <a:defRPr sz="1600" b="1"/>
+              <a:defRPr sz="640" b="1"/>
             </a:lvl5pPr>
-            <a:lvl6pPr marL="2286000" indent="0">
+            <a:lvl6pPr marL="914400" indent="0">
               <a:buNone/>
-              <a:defRPr sz="1600" b="1"/>
+              <a:defRPr sz="640" b="1"/>
             </a:lvl6pPr>
-            <a:lvl7pPr marL="2743200" indent="0">
+            <a:lvl7pPr marL="1097280" indent="0">
               <a:buNone/>
-              <a:defRPr sz="1600" b="1"/>
+              <a:defRPr sz="640" b="1"/>
             </a:lvl7pPr>
-            <a:lvl8pPr marL="3200400" indent="0">
+            <a:lvl8pPr marL="1280160" indent="0">
               <a:buNone/>
-              <a:defRPr sz="1600" b="1"/>
+              <a:defRPr sz="640" b="1"/>
             </a:lvl8pPr>
-            <a:lvl9pPr marL="3657600" indent="0">
+            <a:lvl9pPr marL="1463040" indent="0">
               <a:buNone/>
-              <a:defRPr sz="1600" b="1"/>
+              <a:defRPr sz="640" b="1"/>
             </a:lvl9pPr>
           </a:lstStyle>
           <a:p>
@@ -1544,8 +1544,8 @@
         </p:nvSpPr>
         <p:spPr>
           <a:xfrm>
-            <a:off x="4629151" y="5010150"/>
-            <a:ext cx="3887391" cy="7369176"/>
+            <a:off x="1851660" y="4509135"/>
+            <a:ext cx="1554956" cy="6632258"/>
           </a:xfrm>
         </p:spPr>
         <p:txBody>
@@ -1606,7 +1606,7 @@
           <a:p>
             <a:fld id="{FB2CE3CC-2201-47B7-9E17-B5AFA0C49CFE}" type="datetimeFigureOut">
               <a:rPr lang="en-US" smtClean="0"/>
-              <a:t>8/5/2022</a:t>
+              <a:t>9/14/2022</a:t>
             </a:fld>
             <a:endParaRPr lang="en-US"/>
           </a:p>
@@ -1657,7 +1657,7 @@
     </p:spTree>
     <p:extLst>
       <p:ext uri="{BB962C8B-B14F-4D97-AF65-F5344CB8AC3E}">
-        <p14:creationId xmlns:p14="http://schemas.microsoft.com/office/powerpoint/2010/main" val="4185191517"/>
+        <p14:creationId xmlns:p14="http://schemas.microsoft.com/office/powerpoint/2010/main" val="3820946734"/>
       </p:ext>
     </p:extLst>
   </p:cSld>
@@ -1724,7 +1724,7 @@
           <a:p>
             <a:fld id="{FB2CE3CC-2201-47B7-9E17-B5AFA0C49CFE}" type="datetimeFigureOut">
               <a:rPr lang="en-US" smtClean="0"/>
-              <a:t>8/5/2022</a:t>
+              <a:t>9/14/2022</a:t>
             </a:fld>
             <a:endParaRPr lang="en-US"/>
           </a:p>
@@ -1775,7 +1775,7 @@
     </p:spTree>
     <p:extLst>
       <p:ext uri="{BB962C8B-B14F-4D97-AF65-F5344CB8AC3E}">
-        <p14:creationId xmlns:p14="http://schemas.microsoft.com/office/powerpoint/2010/main" val="3333670777"/>
+        <p14:creationId xmlns:p14="http://schemas.microsoft.com/office/powerpoint/2010/main" val="1807477476"/>
       </p:ext>
     </p:extLst>
   </p:cSld>
@@ -1819,7 +1819,7 @@
           <a:p>
             <a:fld id="{FB2CE3CC-2201-47B7-9E17-B5AFA0C49CFE}" type="datetimeFigureOut">
               <a:rPr lang="en-US" smtClean="0"/>
-              <a:t>8/5/2022</a:t>
+              <a:t>9/14/2022</a:t>
             </a:fld>
             <a:endParaRPr lang="en-US"/>
           </a:p>
@@ -1870,7 +1870,7 @@
     </p:spTree>
     <p:extLst>
       <p:ext uri="{BB962C8B-B14F-4D97-AF65-F5344CB8AC3E}">
-        <p14:creationId xmlns:p14="http://schemas.microsoft.com/office/powerpoint/2010/main" val="1094955113"/>
+        <p14:creationId xmlns:p14="http://schemas.microsoft.com/office/powerpoint/2010/main" val="1253454826"/>
       </p:ext>
     </p:extLst>
   </p:cSld>
@@ -1909,15 +1909,15 @@
         </p:nvSpPr>
         <p:spPr>
           <a:xfrm>
-            <a:off x="629841" y="914400"/>
-            <a:ext cx="2949178" cy="3200400"/>
+            <a:off x="251937" y="822960"/>
+            <a:ext cx="1179671" cy="2880360"/>
           </a:xfrm>
         </p:spPr>
         <p:txBody>
           <a:bodyPr anchor="b"/>
           <a:lstStyle>
             <a:lvl1pPr>
-              <a:defRPr sz="3200"/>
+              <a:defRPr sz="1280"/>
             </a:lvl1pPr>
           </a:lstStyle>
           <a:p>
@@ -1941,39 +1941,39 @@
         </p:nvSpPr>
         <p:spPr>
           <a:xfrm>
-            <a:off x="3887391" y="1974853"/>
-            <a:ext cx="4629150" cy="9747250"/>
+            <a:off x="1554956" y="1777368"/>
+            <a:ext cx="1851660" cy="8772525"/>
           </a:xfrm>
         </p:spPr>
         <p:txBody>
           <a:bodyPr/>
           <a:lstStyle>
             <a:lvl1pPr>
-              <a:defRPr sz="3200"/>
+              <a:defRPr sz="1280"/>
             </a:lvl1pPr>
             <a:lvl2pPr>
-              <a:defRPr sz="2800"/>
+              <a:defRPr sz="1120"/>
             </a:lvl2pPr>
             <a:lvl3pPr>
-              <a:defRPr sz="2400"/>
+              <a:defRPr sz="960"/>
             </a:lvl3pPr>
             <a:lvl4pPr>
-              <a:defRPr sz="2000"/>
+              <a:defRPr sz="800"/>
             </a:lvl4pPr>
             <a:lvl5pPr>
-              <a:defRPr sz="2000"/>
+              <a:defRPr sz="800"/>
             </a:lvl5pPr>
             <a:lvl6pPr>
-              <a:defRPr sz="2000"/>
+              <a:defRPr sz="800"/>
             </a:lvl6pPr>
             <a:lvl7pPr>
-              <a:defRPr sz="2000"/>
+              <a:defRPr sz="800"/>
             </a:lvl7pPr>
             <a:lvl8pPr>
-              <a:defRPr sz="2000"/>
+              <a:defRPr sz="800"/>
             </a:lvl8pPr>
             <a:lvl9pPr>
-              <a:defRPr sz="2000"/>
+              <a:defRPr sz="800"/>
             </a:lvl9pPr>
           </a:lstStyle>
           <a:p>
@@ -2026,8 +2026,8 @@
         </p:nvSpPr>
         <p:spPr>
           <a:xfrm>
-            <a:off x="629841" y="4114800"/>
-            <a:ext cx="2949178" cy="7623176"/>
+            <a:off x="251937" y="3703320"/>
+            <a:ext cx="1179671" cy="6860858"/>
           </a:xfrm>
         </p:spPr>
         <p:txBody>
@@ -2035,39 +2035,39 @@
           <a:lstStyle>
             <a:lvl1pPr marL="0" indent="0">
               <a:buNone/>
-              <a:defRPr sz="1600"/>
+              <a:defRPr sz="640"/>
             </a:lvl1pPr>
-            <a:lvl2pPr marL="457200" indent="0">
+            <a:lvl2pPr marL="182880" indent="0">
               <a:buNone/>
-              <a:defRPr sz="1400"/>
+              <a:defRPr sz="560"/>
             </a:lvl2pPr>
-            <a:lvl3pPr marL="914400" indent="0">
+            <a:lvl3pPr marL="365760" indent="0">
               <a:buNone/>
-              <a:defRPr sz="1200"/>
+              <a:defRPr sz="480"/>
             </a:lvl3pPr>
-            <a:lvl4pPr marL="1371600" indent="0">
+            <a:lvl4pPr marL="548640" indent="0">
               <a:buNone/>
-              <a:defRPr sz="1000"/>
+              <a:defRPr sz="400"/>
             </a:lvl4pPr>
-            <a:lvl5pPr marL="1828800" indent="0">
+            <a:lvl5pPr marL="731520" indent="0">
               <a:buNone/>
-              <a:defRPr sz="1000"/>
+              <a:defRPr sz="400"/>
             </a:lvl5pPr>
-            <a:lvl6pPr marL="2286000" indent="0">
+            <a:lvl6pPr marL="914400" indent="0">
               <a:buNone/>
-              <a:defRPr sz="1000"/>
+              <a:defRPr sz="400"/>
             </a:lvl6pPr>
-            <a:lvl7pPr marL="2743200" indent="0">
+            <a:lvl7pPr marL="1097280" indent="0">
               <a:buNone/>
-              <a:defRPr sz="1000"/>
+              <a:defRPr sz="400"/>
             </a:lvl7pPr>
-            <a:lvl8pPr marL="3200400" indent="0">
+            <a:lvl8pPr marL="1280160" indent="0">
               <a:buNone/>
-              <a:defRPr sz="1000"/>
+              <a:defRPr sz="400"/>
             </a:lvl8pPr>
-            <a:lvl9pPr marL="3657600" indent="0">
+            <a:lvl9pPr marL="1463040" indent="0">
               <a:buNone/>
-              <a:defRPr sz="1000"/>
+              <a:defRPr sz="400"/>
             </a:lvl9pPr>
           </a:lstStyle>
           <a:p>
@@ -2096,7 +2096,7 @@
           <a:p>
             <a:fld id="{FB2CE3CC-2201-47B7-9E17-B5AFA0C49CFE}" type="datetimeFigureOut">
               <a:rPr lang="en-US" smtClean="0"/>
-              <a:t>8/5/2022</a:t>
+              <a:t>9/14/2022</a:t>
             </a:fld>
             <a:endParaRPr lang="en-US"/>
           </a:p>
@@ -2147,7 +2147,7 @@
     </p:spTree>
     <p:extLst>
       <p:ext uri="{BB962C8B-B14F-4D97-AF65-F5344CB8AC3E}">
-        <p14:creationId xmlns:p14="http://schemas.microsoft.com/office/powerpoint/2010/main" val="3869870023"/>
+        <p14:creationId xmlns:p14="http://schemas.microsoft.com/office/powerpoint/2010/main" val="3984231921"/>
       </p:ext>
     </p:extLst>
   </p:cSld>
@@ -2186,15 +2186,15 @@
         </p:nvSpPr>
         <p:spPr>
           <a:xfrm>
-            <a:off x="629841" y="914400"/>
-            <a:ext cx="2949178" cy="3200400"/>
+            <a:off x="251937" y="822960"/>
+            <a:ext cx="1179671" cy="2880360"/>
           </a:xfrm>
         </p:spPr>
         <p:txBody>
           <a:bodyPr anchor="b"/>
           <a:lstStyle>
             <a:lvl1pPr>
-              <a:defRPr sz="3200"/>
+              <a:defRPr sz="1280"/>
             </a:lvl1pPr>
           </a:lstStyle>
           <a:p>
@@ -2218,8 +2218,8 @@
         </p:nvSpPr>
         <p:spPr>
           <a:xfrm>
-            <a:off x="3887391" y="1974853"/>
-            <a:ext cx="4629150" cy="9747250"/>
+            <a:off x="1554956" y="1777368"/>
+            <a:ext cx="1851660" cy="8772525"/>
           </a:xfrm>
         </p:spPr>
         <p:txBody>
@@ -2227,39 +2227,39 @@
           <a:lstStyle>
             <a:lvl1pPr marL="0" indent="0">
               <a:buNone/>
-              <a:defRPr sz="3200"/>
+              <a:defRPr sz="1280"/>
             </a:lvl1pPr>
-            <a:lvl2pPr marL="457200" indent="0">
+            <a:lvl2pPr marL="182880" indent="0">
               <a:buNone/>
-              <a:defRPr sz="2800"/>
+              <a:defRPr sz="1120"/>
             </a:lvl2pPr>
-            <a:lvl3pPr marL="914400" indent="0">
+            <a:lvl3pPr marL="365760" indent="0">
               <a:buNone/>
-              <a:defRPr sz="2400"/>
+              <a:defRPr sz="960"/>
             </a:lvl3pPr>
-            <a:lvl4pPr marL="1371600" indent="0">
+            <a:lvl4pPr marL="548640" indent="0">
               <a:buNone/>
-              <a:defRPr sz="2000"/>
+              <a:defRPr sz="800"/>
             </a:lvl4pPr>
-            <a:lvl5pPr marL="1828800" indent="0">
+            <a:lvl5pPr marL="731520" indent="0">
               <a:buNone/>
-              <a:defRPr sz="2000"/>
+              <a:defRPr sz="800"/>
             </a:lvl5pPr>
-            <a:lvl6pPr marL="2286000" indent="0">
+            <a:lvl6pPr marL="914400" indent="0">
               <a:buNone/>
-              <a:defRPr sz="2000"/>
+              <a:defRPr sz="800"/>
             </a:lvl6pPr>
-            <a:lvl7pPr marL="2743200" indent="0">
+            <a:lvl7pPr marL="1097280" indent="0">
               <a:buNone/>
-              <a:defRPr sz="2000"/>
+              <a:defRPr sz="800"/>
             </a:lvl7pPr>
-            <a:lvl8pPr marL="3200400" indent="0">
+            <a:lvl8pPr marL="1280160" indent="0">
               <a:buNone/>
-              <a:defRPr sz="2000"/>
+              <a:defRPr sz="800"/>
             </a:lvl8pPr>
-            <a:lvl9pPr marL="3657600" indent="0">
+            <a:lvl9pPr marL="1463040" indent="0">
               <a:buNone/>
-              <a:defRPr sz="2000"/>
+              <a:defRPr sz="800"/>
             </a:lvl9pPr>
           </a:lstStyle>
           <a:p>
@@ -2283,8 +2283,8 @@
         </p:nvSpPr>
         <p:spPr>
           <a:xfrm>
-            <a:off x="629841" y="4114800"/>
-            <a:ext cx="2949178" cy="7623176"/>
+            <a:off x="251937" y="3703320"/>
+            <a:ext cx="1179671" cy="6860858"/>
           </a:xfrm>
         </p:spPr>
         <p:txBody>
@@ -2292,39 +2292,39 @@
           <a:lstStyle>
             <a:lvl1pPr marL="0" indent="0">
               <a:buNone/>
-              <a:defRPr sz="1600"/>
+              <a:defRPr sz="640"/>
             </a:lvl1pPr>
-            <a:lvl2pPr marL="457200" indent="0">
+            <a:lvl2pPr marL="182880" indent="0">
               <a:buNone/>
-              <a:defRPr sz="1400"/>
+              <a:defRPr sz="560"/>
             </a:lvl2pPr>
-            <a:lvl3pPr marL="914400" indent="0">
+            <a:lvl3pPr marL="365760" indent="0">
               <a:buNone/>
-              <a:defRPr sz="1200"/>
+              <a:defRPr sz="480"/>
             </a:lvl3pPr>
-            <a:lvl4pPr marL="1371600" indent="0">
+            <a:lvl4pPr marL="548640" indent="0">
               <a:buNone/>
-              <a:defRPr sz="1000"/>
+              <a:defRPr sz="400"/>
             </a:lvl4pPr>
-            <a:lvl5pPr marL="1828800" indent="0">
+            <a:lvl5pPr marL="731520" indent="0">
               <a:buNone/>
-              <a:defRPr sz="1000"/>
+              <a:defRPr sz="400"/>
             </a:lvl5pPr>
-            <a:lvl6pPr marL="2286000" indent="0">
+            <a:lvl6pPr marL="914400" indent="0">
               <a:buNone/>
-              <a:defRPr sz="1000"/>
+              <a:defRPr sz="400"/>
             </a:lvl6pPr>
-            <a:lvl7pPr marL="2743200" indent="0">
+            <a:lvl7pPr marL="1097280" indent="0">
               <a:buNone/>
-              <a:defRPr sz="1000"/>
+              <a:defRPr sz="400"/>
             </a:lvl7pPr>
-            <a:lvl8pPr marL="3200400" indent="0">
+            <a:lvl8pPr marL="1280160" indent="0">
               <a:buNone/>
-              <a:defRPr sz="1000"/>
+              <a:defRPr sz="400"/>
             </a:lvl8pPr>
-            <a:lvl9pPr marL="3657600" indent="0">
+            <a:lvl9pPr marL="1463040" indent="0">
               <a:buNone/>
-              <a:defRPr sz="1000"/>
+              <a:defRPr sz="400"/>
             </a:lvl9pPr>
           </a:lstStyle>
           <a:p>
@@ -2353,7 +2353,7 @@
           <a:p>
             <a:fld id="{FB2CE3CC-2201-47B7-9E17-B5AFA0C49CFE}" type="datetimeFigureOut">
               <a:rPr lang="en-US" smtClean="0"/>
-              <a:t>8/5/2022</a:t>
+              <a:t>9/14/2022</a:t>
             </a:fld>
             <a:endParaRPr lang="en-US"/>
           </a:p>
@@ -2404,7 +2404,7 @@
     </p:spTree>
     <p:extLst>
       <p:ext uri="{BB962C8B-B14F-4D97-AF65-F5344CB8AC3E}">
-        <p14:creationId xmlns:p14="http://schemas.microsoft.com/office/powerpoint/2010/main" val="3243832789"/>
+        <p14:creationId xmlns:p14="http://schemas.microsoft.com/office/powerpoint/2010/main" val="2227460090"/>
       </p:ext>
     </p:extLst>
   </p:cSld>
@@ -2448,8 +2448,8 @@
         </p:nvSpPr>
         <p:spPr>
           <a:xfrm>
-            <a:off x="628650" y="730253"/>
-            <a:ext cx="7886700" cy="2651126"/>
+            <a:off x="251460" y="657228"/>
+            <a:ext cx="3154680" cy="2386013"/>
           </a:xfrm>
           <a:prstGeom prst="rect">
             <a:avLst/>
@@ -2481,8 +2481,8 @@
         </p:nvSpPr>
         <p:spPr>
           <a:xfrm>
-            <a:off x="628650" y="3651250"/>
-            <a:ext cx="7886700" cy="8702676"/>
+            <a:off x="251460" y="3286125"/>
+            <a:ext cx="3154680" cy="7832408"/>
           </a:xfrm>
           <a:prstGeom prst="rect">
             <a:avLst/>
@@ -2543,8 +2543,8 @@
         </p:nvSpPr>
         <p:spPr>
           <a:xfrm>
-            <a:off x="628650" y="12712703"/>
-            <a:ext cx="2057400" cy="730250"/>
+            <a:off x="251460" y="11441433"/>
+            <a:ext cx="822960" cy="657225"/>
           </a:xfrm>
           <a:prstGeom prst="rect">
             <a:avLst/>
@@ -2554,7 +2554,7 @@
           <a:bodyPr vert="horz" lIns="91440" tIns="45720" rIns="91440" bIns="45720" rtlCol="0" anchor="ctr"/>
           <a:lstStyle>
             <a:lvl1pPr algn="l">
-              <a:defRPr sz="1200">
+              <a:defRPr sz="480">
                 <a:solidFill>
                   <a:schemeClr val="tx1">
                     <a:tint val="75000"/>
@@ -2566,7 +2566,7 @@
           <a:p>
             <a:fld id="{FB2CE3CC-2201-47B7-9E17-B5AFA0C49CFE}" type="datetimeFigureOut">
               <a:rPr lang="en-US" smtClean="0"/>
-              <a:t>8/5/2022</a:t>
+              <a:t>9/14/2022</a:t>
             </a:fld>
             <a:endParaRPr lang="en-US"/>
           </a:p>
@@ -2584,8 +2584,8 @@
         </p:nvSpPr>
         <p:spPr>
           <a:xfrm>
-            <a:off x="3028950" y="12712703"/>
-            <a:ext cx="3086100" cy="730250"/>
+            <a:off x="1211580" y="11441433"/>
+            <a:ext cx="1234440" cy="657225"/>
           </a:xfrm>
           <a:prstGeom prst="rect">
             <a:avLst/>
@@ -2595,7 +2595,7 @@
           <a:bodyPr vert="horz" lIns="91440" tIns="45720" rIns="91440" bIns="45720" rtlCol="0" anchor="ctr"/>
           <a:lstStyle>
             <a:lvl1pPr algn="ctr">
-              <a:defRPr sz="1200">
+              <a:defRPr sz="480">
                 <a:solidFill>
                   <a:schemeClr val="tx1">
                     <a:tint val="75000"/>
@@ -2621,8 +2621,8 @@
         </p:nvSpPr>
         <p:spPr>
           <a:xfrm>
-            <a:off x="6457950" y="12712703"/>
-            <a:ext cx="2057400" cy="730250"/>
+            <a:off x="2583180" y="11441433"/>
+            <a:ext cx="822960" cy="657225"/>
           </a:xfrm>
           <a:prstGeom prst="rect">
             <a:avLst/>
@@ -2632,7 +2632,7 @@
           <a:bodyPr vert="horz" lIns="91440" tIns="45720" rIns="91440" bIns="45720" rtlCol="0" anchor="ctr"/>
           <a:lstStyle>
             <a:lvl1pPr algn="r">
-              <a:defRPr sz="1200">
+              <a:defRPr sz="480">
                 <a:solidFill>
                   <a:schemeClr val="tx1">
                     <a:tint val="75000"/>
@@ -2653,27 +2653,27 @@
     </p:spTree>
     <p:extLst>
       <p:ext uri="{BB962C8B-B14F-4D97-AF65-F5344CB8AC3E}">
-        <p14:creationId xmlns:p14="http://schemas.microsoft.com/office/powerpoint/2010/main" val="1842520658"/>
+        <p14:creationId xmlns:p14="http://schemas.microsoft.com/office/powerpoint/2010/main" val="2860706215"/>
       </p:ext>
     </p:extLst>
   </p:cSld>
   <p:clrMap bg1="lt1" tx1="dk1" bg2="lt2" tx2="dk2" accent1="accent1" accent2="accent2" accent3="accent3" accent4="accent4" accent5="accent5" accent6="accent6" hlink="hlink" folHlink="folHlink"/>
   <p:sldLayoutIdLst>
-    <p:sldLayoutId id="2147483661" r:id="rId1"/>
-    <p:sldLayoutId id="2147483662" r:id="rId2"/>
-    <p:sldLayoutId id="2147483663" r:id="rId3"/>
-    <p:sldLayoutId id="2147483664" r:id="rId4"/>
-    <p:sldLayoutId id="2147483665" r:id="rId5"/>
-    <p:sldLayoutId id="2147483666" r:id="rId6"/>
-    <p:sldLayoutId id="2147483667" r:id="rId7"/>
-    <p:sldLayoutId id="2147483668" r:id="rId8"/>
-    <p:sldLayoutId id="2147483669" r:id="rId9"/>
-    <p:sldLayoutId id="2147483670" r:id="rId10"/>
-    <p:sldLayoutId id="2147483671" r:id="rId11"/>
+    <p:sldLayoutId id="2147483685" r:id="rId1"/>
+    <p:sldLayoutId id="2147483686" r:id="rId2"/>
+    <p:sldLayoutId id="2147483687" r:id="rId3"/>
+    <p:sldLayoutId id="2147483688" r:id="rId4"/>
+    <p:sldLayoutId id="2147483689" r:id="rId5"/>
+    <p:sldLayoutId id="2147483690" r:id="rId6"/>
+    <p:sldLayoutId id="2147483691" r:id="rId7"/>
+    <p:sldLayoutId id="2147483692" r:id="rId8"/>
+    <p:sldLayoutId id="2147483693" r:id="rId9"/>
+    <p:sldLayoutId id="2147483694" r:id="rId10"/>
+    <p:sldLayoutId id="2147483695" r:id="rId11"/>
   </p:sldLayoutIdLst>
   <p:txStyles>
     <p:titleStyle>
-      <a:lvl1pPr algn="l" defTabSz="914400" rtl="0" eaLnBrk="1" latinLnBrk="0" hangingPunct="1">
+      <a:lvl1pPr algn="l" defTabSz="365760" rtl="0" eaLnBrk="1" latinLnBrk="0" hangingPunct="1">
         <a:lnSpc>
           <a:spcPct val="90000"/>
         </a:lnSpc>
@@ -2681,7 +2681,7 @@
           <a:spcPct val="0"/>
         </a:spcBef>
         <a:buNone/>
-        <a:defRPr sz="4400" kern="1200">
+        <a:defRPr sz="1760" kern="1200">
           <a:solidFill>
             <a:schemeClr val="tx1"/>
           </a:solidFill>
@@ -2692,16 +2692,16 @@
       </a:lvl1pPr>
     </p:titleStyle>
     <p:bodyStyle>
-      <a:lvl1pPr marL="228600" indent="-228600" algn="l" defTabSz="914400" rtl="0" eaLnBrk="1" latinLnBrk="0" hangingPunct="1">
+      <a:lvl1pPr marL="91440" indent="-91440" algn="l" defTabSz="365760" rtl="0" eaLnBrk="1" latinLnBrk="0" hangingPunct="1">
         <a:lnSpc>
           <a:spcPct val="90000"/>
         </a:lnSpc>
         <a:spcBef>
-          <a:spcPts val="1000"/>
+          <a:spcPts val="400"/>
         </a:spcBef>
         <a:buFont typeface="Arial" panose="020B0604020202020204" pitchFamily="34" charset="0"/>
         <a:buChar char="•"/>
-        <a:defRPr sz="2800" kern="1200">
+        <a:defRPr sz="1120" kern="1200">
           <a:solidFill>
             <a:schemeClr val="tx1"/>
           </a:solidFill>
@@ -2710,16 +2710,16 @@
           <a:cs typeface="+mn-cs"/>
         </a:defRPr>
       </a:lvl1pPr>
-      <a:lvl2pPr marL="685800" indent="-228600" algn="l" defTabSz="914400" rtl="0" eaLnBrk="1" latinLnBrk="0" hangingPunct="1">
+      <a:lvl2pPr marL="274320" indent="-91440" algn="l" defTabSz="365760" rtl="0" eaLnBrk="1" latinLnBrk="0" hangingPunct="1">
         <a:lnSpc>
           <a:spcPct val="90000"/>
         </a:lnSpc>
         <a:spcBef>
-          <a:spcPts val="500"/>
+          <a:spcPts val="200"/>
         </a:spcBef>
         <a:buFont typeface="Arial" panose="020B0604020202020204" pitchFamily="34" charset="0"/>
         <a:buChar char="•"/>
-        <a:defRPr sz="2400" kern="1200">
+        <a:defRPr sz="960" kern="1200">
           <a:solidFill>
             <a:schemeClr val="tx1"/>
           </a:solidFill>
@@ -2728,16 +2728,16 @@
           <a:cs typeface="+mn-cs"/>
         </a:defRPr>
       </a:lvl2pPr>
-      <a:lvl3pPr marL="1143000" indent="-228600" algn="l" defTabSz="914400" rtl="0" eaLnBrk="1" latinLnBrk="0" hangingPunct="1">
+      <a:lvl3pPr marL="457200" indent="-91440" algn="l" defTabSz="365760" rtl="0" eaLnBrk="1" latinLnBrk="0" hangingPunct="1">
         <a:lnSpc>
           <a:spcPct val="90000"/>
         </a:lnSpc>
         <a:spcBef>
-          <a:spcPts val="500"/>
+          <a:spcPts val="200"/>
         </a:spcBef>
         <a:buFont typeface="Arial" panose="020B0604020202020204" pitchFamily="34" charset="0"/>
         <a:buChar char="•"/>
-        <a:defRPr sz="2000" kern="1200">
+        <a:defRPr sz="800" kern="1200">
           <a:solidFill>
             <a:schemeClr val="tx1"/>
           </a:solidFill>
@@ -2746,16 +2746,16 @@
           <a:cs typeface="+mn-cs"/>
         </a:defRPr>
       </a:lvl3pPr>
-      <a:lvl4pPr marL="1600200" indent="-228600" algn="l" defTabSz="914400" rtl="0" eaLnBrk="1" latinLnBrk="0" hangingPunct="1">
+      <a:lvl4pPr marL="640080" indent="-91440" algn="l" defTabSz="365760" rtl="0" eaLnBrk="1" latinLnBrk="0" hangingPunct="1">
         <a:lnSpc>
           <a:spcPct val="90000"/>
         </a:lnSpc>
         <a:spcBef>
-          <a:spcPts val="500"/>
+          <a:spcPts val="200"/>
         </a:spcBef>
         <a:buFont typeface="Arial" panose="020B0604020202020204" pitchFamily="34" charset="0"/>
         <a:buChar char="•"/>
-        <a:defRPr sz="1800" kern="1200">
+        <a:defRPr sz="720" kern="1200">
           <a:solidFill>
             <a:schemeClr val="tx1"/>
           </a:solidFill>
@@ -2764,16 +2764,16 @@
           <a:cs typeface="+mn-cs"/>
         </a:defRPr>
       </a:lvl4pPr>
-      <a:lvl5pPr marL="2057400" indent="-228600" algn="l" defTabSz="914400" rtl="0" eaLnBrk="1" latinLnBrk="0" hangingPunct="1">
+      <a:lvl5pPr marL="822960" indent="-91440" algn="l" defTabSz="365760" rtl="0" eaLnBrk="1" latinLnBrk="0" hangingPunct="1">
         <a:lnSpc>
           <a:spcPct val="90000"/>
         </a:lnSpc>
         <a:spcBef>
-          <a:spcPts val="500"/>
+          <a:spcPts val="200"/>
         </a:spcBef>
         <a:buFont typeface="Arial" panose="020B0604020202020204" pitchFamily="34" charset="0"/>
         <a:buChar char="•"/>
-        <a:defRPr sz="1800" kern="1200">
+        <a:defRPr sz="720" kern="1200">
           <a:solidFill>
             <a:schemeClr val="tx1"/>
           </a:solidFill>
@@ -2782,16 +2782,16 @@
           <a:cs typeface="+mn-cs"/>
         </a:defRPr>
       </a:lvl5pPr>
-      <a:lvl6pPr marL="2514600" indent="-228600" algn="l" defTabSz="914400" rtl="0" eaLnBrk="1" latinLnBrk="0" hangingPunct="1">
+      <a:lvl6pPr marL="1005840" indent="-91440" algn="l" defTabSz="365760" rtl="0" eaLnBrk="1" latinLnBrk="0" hangingPunct="1">
         <a:lnSpc>
           <a:spcPct val="90000"/>
         </a:lnSpc>
         <a:spcBef>
-          <a:spcPts val="500"/>
+          <a:spcPts val="200"/>
         </a:spcBef>
         <a:buFont typeface="Arial" panose="020B0604020202020204" pitchFamily="34" charset="0"/>
         <a:buChar char="•"/>
-        <a:defRPr sz="1800" kern="1200">
+        <a:defRPr sz="720" kern="1200">
           <a:solidFill>
             <a:schemeClr val="tx1"/>
           </a:solidFill>
@@ -2800,16 +2800,16 @@
           <a:cs typeface="+mn-cs"/>
         </a:defRPr>
       </a:lvl6pPr>
-      <a:lvl7pPr marL="2971800" indent="-228600" algn="l" defTabSz="914400" rtl="0" eaLnBrk="1" latinLnBrk="0" hangingPunct="1">
+      <a:lvl7pPr marL="1188720" indent="-91440" algn="l" defTabSz="365760" rtl="0" eaLnBrk="1" latinLnBrk="0" hangingPunct="1">
         <a:lnSpc>
           <a:spcPct val="90000"/>
         </a:lnSpc>
         <a:spcBef>
-          <a:spcPts val="500"/>
+          <a:spcPts val="200"/>
         </a:spcBef>
         <a:buFont typeface="Arial" panose="020B0604020202020204" pitchFamily="34" charset="0"/>
         <a:buChar char="•"/>
-        <a:defRPr sz="1800" kern="1200">
+        <a:defRPr sz="720" kern="1200">
           <a:solidFill>
             <a:schemeClr val="tx1"/>
           </a:solidFill>
@@ -2818,16 +2818,16 @@
           <a:cs typeface="+mn-cs"/>
         </a:defRPr>
       </a:lvl7pPr>
-      <a:lvl8pPr marL="3429000" indent="-228600" algn="l" defTabSz="914400" rtl="0" eaLnBrk="1" latinLnBrk="0" hangingPunct="1">
+      <a:lvl8pPr marL="1371600" indent="-91440" algn="l" defTabSz="365760" rtl="0" eaLnBrk="1" latinLnBrk="0" hangingPunct="1">
         <a:lnSpc>
           <a:spcPct val="90000"/>
         </a:lnSpc>
         <a:spcBef>
-          <a:spcPts val="500"/>
+          <a:spcPts val="200"/>
         </a:spcBef>
         <a:buFont typeface="Arial" panose="020B0604020202020204" pitchFamily="34" charset="0"/>
         <a:buChar char="•"/>
-        <a:defRPr sz="1800" kern="1200">
+        <a:defRPr sz="720" kern="1200">
           <a:solidFill>
             <a:schemeClr val="tx1"/>
           </a:solidFill>
@@ -2836,16 +2836,16 @@
           <a:cs typeface="+mn-cs"/>
         </a:defRPr>
       </a:lvl8pPr>
-      <a:lvl9pPr marL="3886200" indent="-228600" algn="l" defTabSz="914400" rtl="0" eaLnBrk="1" latinLnBrk="0" hangingPunct="1">
+      <a:lvl9pPr marL="1554480" indent="-91440" algn="l" defTabSz="365760" rtl="0" eaLnBrk="1" latinLnBrk="0" hangingPunct="1">
         <a:lnSpc>
           <a:spcPct val="90000"/>
         </a:lnSpc>
         <a:spcBef>
-          <a:spcPts val="500"/>
+          <a:spcPts val="200"/>
         </a:spcBef>
         <a:buFont typeface="Arial" panose="020B0604020202020204" pitchFamily="34" charset="0"/>
         <a:buChar char="•"/>
-        <a:defRPr sz="1800" kern="1200">
+        <a:defRPr sz="720" kern="1200">
           <a:solidFill>
             <a:schemeClr val="tx1"/>
           </a:solidFill>
@@ -2859,8 +2859,8 @@
       <a:defPPr>
         <a:defRPr lang="en-US"/>
       </a:defPPr>
-      <a:lvl1pPr marL="0" algn="l" defTabSz="914400" rtl="0" eaLnBrk="1" latinLnBrk="0" hangingPunct="1">
-        <a:defRPr sz="1800" kern="1200">
+      <a:lvl1pPr marL="0" algn="l" defTabSz="365760" rtl="0" eaLnBrk="1" latinLnBrk="0" hangingPunct="1">
+        <a:defRPr sz="720" kern="1200">
           <a:solidFill>
             <a:schemeClr val="tx1"/>
           </a:solidFill>
@@ -2869,8 +2869,8 @@
           <a:cs typeface="+mn-cs"/>
         </a:defRPr>
       </a:lvl1pPr>
-      <a:lvl2pPr marL="457200" algn="l" defTabSz="914400" rtl="0" eaLnBrk="1" latinLnBrk="0" hangingPunct="1">
-        <a:defRPr sz="1800" kern="1200">
+      <a:lvl2pPr marL="182880" algn="l" defTabSz="365760" rtl="0" eaLnBrk="1" latinLnBrk="0" hangingPunct="1">
+        <a:defRPr sz="720" kern="1200">
           <a:solidFill>
             <a:schemeClr val="tx1"/>
           </a:solidFill>
@@ -2879,8 +2879,8 @@
           <a:cs typeface="+mn-cs"/>
         </a:defRPr>
       </a:lvl2pPr>
-      <a:lvl3pPr marL="914400" algn="l" defTabSz="914400" rtl="0" eaLnBrk="1" latinLnBrk="0" hangingPunct="1">
-        <a:defRPr sz="1800" kern="1200">
+      <a:lvl3pPr marL="365760" algn="l" defTabSz="365760" rtl="0" eaLnBrk="1" latinLnBrk="0" hangingPunct="1">
+        <a:defRPr sz="720" kern="1200">
           <a:solidFill>
             <a:schemeClr val="tx1"/>
           </a:solidFill>
@@ -2889,8 +2889,8 @@
           <a:cs typeface="+mn-cs"/>
         </a:defRPr>
       </a:lvl3pPr>
-      <a:lvl4pPr marL="1371600" algn="l" defTabSz="914400" rtl="0" eaLnBrk="1" latinLnBrk="0" hangingPunct="1">
-        <a:defRPr sz="1800" kern="1200">
+      <a:lvl4pPr marL="548640" algn="l" defTabSz="365760" rtl="0" eaLnBrk="1" latinLnBrk="0" hangingPunct="1">
+        <a:defRPr sz="720" kern="1200">
           <a:solidFill>
             <a:schemeClr val="tx1"/>
           </a:solidFill>
@@ -2899,8 +2899,8 @@
           <a:cs typeface="+mn-cs"/>
         </a:defRPr>
       </a:lvl4pPr>
-      <a:lvl5pPr marL="1828800" algn="l" defTabSz="914400" rtl="0" eaLnBrk="1" latinLnBrk="0" hangingPunct="1">
-        <a:defRPr sz="1800" kern="1200">
+      <a:lvl5pPr marL="731520" algn="l" defTabSz="365760" rtl="0" eaLnBrk="1" latinLnBrk="0" hangingPunct="1">
+        <a:defRPr sz="720" kern="1200">
           <a:solidFill>
             <a:schemeClr val="tx1"/>
           </a:solidFill>
@@ -2909,8 +2909,8 @@
           <a:cs typeface="+mn-cs"/>
         </a:defRPr>
       </a:lvl5pPr>
-      <a:lvl6pPr marL="2286000" algn="l" defTabSz="914400" rtl="0" eaLnBrk="1" latinLnBrk="0" hangingPunct="1">
-        <a:defRPr sz="1800" kern="1200">
+      <a:lvl6pPr marL="914400" algn="l" defTabSz="365760" rtl="0" eaLnBrk="1" latinLnBrk="0" hangingPunct="1">
+        <a:defRPr sz="720" kern="1200">
           <a:solidFill>
             <a:schemeClr val="tx1"/>
           </a:solidFill>
@@ -2919,8 +2919,8 @@
           <a:cs typeface="+mn-cs"/>
         </a:defRPr>
       </a:lvl6pPr>
-      <a:lvl7pPr marL="2743200" algn="l" defTabSz="914400" rtl="0" eaLnBrk="1" latinLnBrk="0" hangingPunct="1">
-        <a:defRPr sz="1800" kern="1200">
+      <a:lvl7pPr marL="1097280" algn="l" defTabSz="365760" rtl="0" eaLnBrk="1" latinLnBrk="0" hangingPunct="1">
+        <a:defRPr sz="720" kern="1200">
           <a:solidFill>
             <a:schemeClr val="tx1"/>
           </a:solidFill>
@@ -2929,8 +2929,8 @@
           <a:cs typeface="+mn-cs"/>
         </a:defRPr>
       </a:lvl7pPr>
-      <a:lvl8pPr marL="3200400" algn="l" defTabSz="914400" rtl="0" eaLnBrk="1" latinLnBrk="0" hangingPunct="1">
-        <a:defRPr sz="1800" kern="1200">
+      <a:lvl8pPr marL="1280160" algn="l" defTabSz="365760" rtl="0" eaLnBrk="1" latinLnBrk="0" hangingPunct="1">
+        <a:defRPr sz="720" kern="1200">
           <a:solidFill>
             <a:schemeClr val="tx1"/>
           </a:solidFill>
@@ -2939,8 +2939,8 @@
           <a:cs typeface="+mn-cs"/>
         </a:defRPr>
       </a:lvl8pPr>
-      <a:lvl9pPr marL="3657600" algn="l" defTabSz="914400" rtl="0" eaLnBrk="1" latinLnBrk="0" hangingPunct="1">
-        <a:defRPr sz="1800" kern="1200">
+      <a:lvl9pPr marL="1463040" algn="l" defTabSz="365760" rtl="0" eaLnBrk="1" latinLnBrk="0" hangingPunct="1">
+        <a:defRPr sz="720" kern="1200">
           <a:solidFill>
             <a:schemeClr val="tx1"/>
           </a:solidFill>
@@ -2973,10 +2973,10 @@
       </p:grpSpPr>
       <p:grpSp>
         <p:nvGrpSpPr>
-          <p:cNvPr id="12" name="Group 11">
+          <p:cNvPr id="122" name="Group 121">
             <a:extLst>
               <a:ext uri="{FF2B5EF4-FFF2-40B4-BE49-F238E27FC236}">
-                <a16:creationId xmlns:a16="http://schemas.microsoft.com/office/drawing/2014/main" id="{94514B42-9EA4-4DA0-AC60-C91655167CE3}"/>
+                <a16:creationId xmlns:a16="http://schemas.microsoft.com/office/drawing/2014/main" id="{9ECCDDDD-5B16-4B5F-83D4-A1E3C4BF20AB}"/>
               </a:ext>
             </a:extLst>
           </p:cNvPr>
@@ -2985,12 +2985,60 @@
         </p:nvGrpSpPr>
         <p:grpSpPr>
           <a:xfrm>
-            <a:off x="900440" y="1198589"/>
+            <a:off x="182625" y="112521"/>
             <a:ext cx="3292350" cy="12119363"/>
             <a:chOff x="900440" y="1198589"/>
             <a:chExt cx="3292350" cy="12119363"/>
           </a:xfrm>
         </p:grpSpPr>
+        <p:sp>
+          <p:nvSpPr>
+            <p:cNvPr id="121" name="Arc 120">
+              <a:extLst>
+                <a:ext uri="{FF2B5EF4-FFF2-40B4-BE49-F238E27FC236}">
+                  <a16:creationId xmlns:a16="http://schemas.microsoft.com/office/drawing/2014/main" id="{7008B042-BC29-4456-B952-EF381CF67A57}"/>
+                </a:ext>
+              </a:extLst>
+            </p:cNvPr>
+            <p:cNvSpPr/>
+            <p:nvPr/>
+          </p:nvSpPr>
+          <p:spPr>
+            <a:xfrm rot="338792" flipH="1">
+              <a:off x="2353710" y="12159034"/>
+              <a:ext cx="268166" cy="366581"/>
+            </a:xfrm>
+            <a:prstGeom prst="arc">
+              <a:avLst>
+                <a:gd name="adj1" fmla="val 16200000"/>
+                <a:gd name="adj2" fmla="val 3059344"/>
+              </a:avLst>
+            </a:prstGeom>
+            <a:ln w="38100"/>
+          </p:spPr>
+          <p:style>
+            <a:lnRef idx="1">
+              <a:schemeClr val="accent1"/>
+            </a:lnRef>
+            <a:fillRef idx="0">
+              <a:schemeClr val="accent1"/>
+            </a:fillRef>
+            <a:effectRef idx="0">
+              <a:schemeClr val="accent1"/>
+            </a:effectRef>
+            <a:fontRef idx="minor">
+              <a:schemeClr val="tx1"/>
+            </a:fontRef>
+          </p:style>
+          <p:txBody>
+            <a:bodyPr rtlCol="0" anchor="ctr"/>
+            <a:lstStyle/>
+            <a:p>
+              <a:pPr algn="ctr"/>
+              <a:endParaRPr lang="en-US"/>
+            </a:p>
+          </p:txBody>
+        </p:sp>
         <p:grpSp>
           <p:nvGrpSpPr>
             <p:cNvPr id="36" name="Group 35">
@@ -3394,104 +3442,6 @@
             </a:fontRef>
           </p:style>
         </p:cxnSp>
-        <p:cxnSp>
-          <p:nvCxnSpPr>
-            <p:cNvPr id="32" name="Straight Arrow Connector 31">
-              <a:extLst>
-                <a:ext uri="{FF2B5EF4-FFF2-40B4-BE49-F238E27FC236}">
-                  <a16:creationId xmlns:a16="http://schemas.microsoft.com/office/drawing/2014/main" id="{0A8BA8D9-5366-4426-B35E-5F05062F5842}"/>
-                </a:ext>
-              </a:extLst>
-            </p:cNvPr>
-            <p:cNvCxnSpPr>
-              <a:cxnSpLocks/>
-            </p:cNvCxnSpPr>
-            <p:nvPr/>
-          </p:nvCxnSpPr>
-          <p:spPr>
-            <a:xfrm>
-              <a:off x="2649845" y="3244621"/>
-              <a:ext cx="375255" cy="121117"/>
-            </a:xfrm>
-            <a:prstGeom prst="straightConnector1">
-              <a:avLst/>
-            </a:prstGeom>
-            <a:ln w="38100">
-              <a:solidFill>
-                <a:schemeClr val="accent2"/>
-              </a:solidFill>
-              <a:tailEnd type="triangle"/>
-            </a:ln>
-          </p:spPr>
-          <p:style>
-            <a:lnRef idx="1">
-              <a:schemeClr val="accent1"/>
-            </a:lnRef>
-            <a:fillRef idx="0">
-              <a:schemeClr val="accent1"/>
-            </a:fillRef>
-            <a:effectRef idx="0">
-              <a:schemeClr val="accent1"/>
-            </a:effectRef>
-            <a:fontRef idx="minor">
-              <a:schemeClr val="tx1"/>
-            </a:fontRef>
-          </p:style>
-        </p:cxnSp>
-        <p:sp>
-          <p:nvSpPr>
-            <p:cNvPr id="8" name="Oval 7">
-              <a:extLst>
-                <a:ext uri="{FF2B5EF4-FFF2-40B4-BE49-F238E27FC236}">
-                  <a16:creationId xmlns:a16="http://schemas.microsoft.com/office/drawing/2014/main" id="{89689155-9995-402E-B259-6501115C342F}"/>
-                </a:ext>
-              </a:extLst>
-            </p:cNvPr>
-            <p:cNvSpPr/>
-            <p:nvPr/>
-          </p:nvSpPr>
-          <p:spPr>
-            <a:xfrm>
-              <a:off x="2593471" y="3188822"/>
-              <a:ext cx="112986" cy="112986"/>
-            </a:xfrm>
-            <a:prstGeom prst="ellipse">
-              <a:avLst/>
-            </a:prstGeom>
-            <a:solidFill>
-              <a:schemeClr val="tx1"/>
-            </a:solidFill>
-            <a:ln>
-              <a:solidFill>
-                <a:schemeClr val="tx1"/>
-              </a:solidFill>
-            </a:ln>
-          </p:spPr>
-          <p:style>
-            <a:lnRef idx="2">
-              <a:schemeClr val="accent1">
-                <a:shade val="50000"/>
-              </a:schemeClr>
-            </a:lnRef>
-            <a:fillRef idx="1">
-              <a:schemeClr val="accent1"/>
-            </a:fillRef>
-            <a:effectRef idx="0">
-              <a:schemeClr val="accent1"/>
-            </a:effectRef>
-            <a:fontRef idx="minor">
-              <a:schemeClr val="lt1"/>
-            </a:fontRef>
-          </p:style>
-          <p:txBody>
-            <a:bodyPr rtlCol="0" anchor="ctr"/>
-            <a:lstStyle/>
-            <a:p>
-              <a:pPr algn="ctr"/>
-              <a:endParaRPr lang="en-US"/>
-            </a:p>
-          </p:txBody>
-        </p:sp>
         <p:sp>
           <p:nvSpPr>
             <p:cNvPr id="35" name="Sun 34">
@@ -3561,7 +3511,7 @@
               <p:spPr>
                 <a:xfrm>
                   <a:off x="1503238" y="1526617"/>
-                  <a:ext cx="2156701" cy="378693"/>
+                  <a:ext cx="2156701" cy="342979"/>
                 </a:xfrm>
                 <a:prstGeom prst="rect">
                   <a:avLst/>
@@ -3585,14 +3535,14 @@
                         <m:accPr>
                           <m:chr m:val="̂"/>
                           <m:ctrlPr>
-                            <a:rPr lang="en-US" b="1" i="1" smtClean="0">
+                            <a:rPr lang="en-US" b="1" i="1">
                               <a:latin typeface="Cambria Math" panose="02040503050406030204" pitchFamily="18" charset="0"/>
                             </a:rPr>
                           </m:ctrlPr>
                         </m:accPr>
                         <m:e>
                           <m:r>
-                            <a:rPr lang="en-US" b="1" i="1" smtClean="0">
+                            <a:rPr lang="en-US" b="1" i="1">
                               <a:latin typeface="Cambria Math" panose="02040503050406030204" pitchFamily="18" charset="0"/>
                             </a:rPr>
                             <m:t>𝒙</m:t>
@@ -3600,7 +3550,7 @@
                         </m:e>
                       </m:acc>
                       <m:r>
-                        <a:rPr lang="en-US" b="0" i="1" smtClean="0">
+                        <a:rPr lang="en-US" i="1">
                           <a:latin typeface="Cambria Math" panose="02040503050406030204" pitchFamily="18" charset="0"/>
                         </a:rPr>
                         <m:t>, </m:t>
@@ -3609,7 +3559,7 @@
                         <m:accPr>
                           <m:chr m:val="̂"/>
                           <m:ctrlPr>
-                            <a:rPr lang="en-US" b="0" i="1" smtClean="0">
+                            <a:rPr lang="en-US" i="1">
                               <a:solidFill>
                                 <a:schemeClr val="accent1"/>
                               </a:solidFill>
@@ -3619,7 +3569,7 @@
                         </m:accPr>
                         <m:e>
                           <m:r>
-                            <a:rPr lang="en-US" b="1" i="0" smtClean="0">
+                            <a:rPr lang="en-US" b="1">
                               <a:solidFill>
                                 <a:schemeClr val="accent1"/>
                               </a:solidFill>
@@ -3630,7 +3580,7 @@
                         </m:e>
                       </m:acc>
                       <m:r>
-                        <a:rPr lang="en-US" b="0" i="1" smtClean="0">
+                        <a:rPr lang="en-US" i="1">
                           <a:solidFill>
                             <a:schemeClr val="accent1"/>
                           </a:solidFill>
@@ -3642,7 +3592,7 @@
                         <m:accPr>
                           <m:chr m:val="̂"/>
                           <m:ctrlPr>
-                            <a:rPr lang="en-US" b="1" i="1" smtClean="0">
+                            <a:rPr lang="en-US" b="1" i="1">
                               <a:solidFill>
                                 <a:schemeClr val="accent1"/>
                               </a:solidFill>
@@ -3652,7 +3602,7 @@
                         </m:accPr>
                         <m:e>
                           <m:r>
-                            <a:rPr lang="en-US" b="1" i="1" smtClean="0">
+                            <a:rPr lang="en-US" b="1" i="1">
                               <a:solidFill>
                                 <a:schemeClr val="accent1"/>
                               </a:solidFill>
@@ -3663,7 +3613,7 @@
                         </m:e>
                       </m:acc>
                       <m:r>
-                        <a:rPr lang="en-US" b="0" i="1" smtClean="0">
+                        <a:rPr lang="en-US" i="1">
                           <a:latin typeface="Cambria Math" panose="02040503050406030204" pitchFamily="18" charset="0"/>
                         </a:rPr>
                         <m:t>, </m:t>
@@ -3672,7 +3622,7 @@
                         <m:accPr>
                           <m:chr m:val="̂"/>
                           <m:ctrlPr>
-                            <a:rPr lang="en-US" b="1" i="1" smtClean="0">
+                            <a:rPr lang="en-US" b="1" i="1">
                               <a:solidFill>
                                 <a:schemeClr val="accent2"/>
                               </a:solidFill>
@@ -3682,7 +3632,7 @@
                         </m:accPr>
                         <m:e>
                           <m:r>
-                            <a:rPr lang="en-US" b="1" i="0" smtClean="0">
+                            <a:rPr lang="en-US" b="1">
                               <a:solidFill>
                                 <a:schemeClr val="accent2"/>
                               </a:solidFill>
@@ -3693,7 +3643,7 @@
                         </m:e>
                       </m:acc>
                       <m:r>
-                        <a:rPr lang="en-US" b="1" i="0" smtClean="0">
+                        <a:rPr lang="en-US" b="1">
                           <a:solidFill>
                             <a:schemeClr val="accent2"/>
                           </a:solidFill>
@@ -3719,7 +3669,7 @@
                         <m:accPr>
                           <m:chr m:val="̂"/>
                           <m:ctrlPr>
-                            <a:rPr lang="en-US" b="1" i="1" smtClean="0">
+                            <a:rPr lang="en-US" b="1" i="1">
                               <a:solidFill>
                                 <a:schemeClr val="accent2"/>
                               </a:solidFill>
@@ -3767,7 +3717,7 @@
               <p:spPr>
                 <a:xfrm>
                   <a:off x="1503238" y="1526617"/>
-                  <a:ext cx="2156701" cy="378693"/>
+                  <a:ext cx="2156701" cy="342979"/>
                 </a:xfrm>
                 <a:prstGeom prst="rect">
                   <a:avLst/>
@@ -3775,7 +3725,7 @@
                 <a:blipFill>
                   <a:blip r:embed="rId2"/>
                   <a:stretch>
-                    <a:fillRect t="-1515" r="-30899" b="-4545"/>
+                    <a:fillRect t="-1667" r="-30532" b="-15000"/>
                   </a:stretch>
                 </a:blipFill>
                 <a:ln w="19050">
@@ -3814,7 +3764,7 @@
           <p:spPr>
             <a:xfrm>
               <a:off x="1503237" y="1198589"/>
-              <a:ext cx="2156701" cy="378693"/>
+              <a:ext cx="2156701" cy="334707"/>
             </a:xfrm>
             <a:prstGeom prst="rect">
               <a:avLst/>
@@ -4430,7 +4380,7 @@
                 <p:spPr>
                   <a:xfrm>
                     <a:off x="4757739" y="1527571"/>
-                    <a:ext cx="2156701" cy="378693"/>
+                    <a:ext cx="2156701" cy="342979"/>
                   </a:xfrm>
                   <a:prstGeom prst="rect">
                     <a:avLst/>
@@ -4454,14 +4404,14 @@
                           <m:accPr>
                             <m:chr m:val="̂"/>
                             <m:ctrlPr>
-                              <a:rPr lang="en-US" b="1" i="1" smtClean="0">
+                              <a:rPr lang="en-US" b="1" i="1">
                                 <a:latin typeface="Cambria Math" panose="02040503050406030204" pitchFamily="18" charset="0"/>
                               </a:rPr>
                             </m:ctrlPr>
                           </m:accPr>
                           <m:e>
                             <m:r>
-                              <a:rPr lang="en-US" b="1" i="1" smtClean="0">
+                              <a:rPr lang="en-US" b="1" i="1">
                                 <a:latin typeface="Cambria Math" panose="02040503050406030204" pitchFamily="18" charset="0"/>
                               </a:rPr>
                               <m:t>𝒙</m:t>
@@ -4469,7 +4419,7 @@
                           </m:e>
                         </m:acc>
                         <m:r>
-                          <a:rPr lang="en-US" b="0" i="1" smtClean="0">
+                          <a:rPr lang="en-US" i="1">
                             <a:latin typeface="Cambria Math" panose="02040503050406030204" pitchFamily="18" charset="0"/>
                           </a:rPr>
                           <m:t>, </m:t>
@@ -4478,7 +4428,7 @@
                           <m:accPr>
                             <m:chr m:val="̂"/>
                             <m:ctrlPr>
-                              <a:rPr lang="en-US" b="0" i="1" smtClean="0">
+                              <a:rPr lang="en-US" i="1">
                                 <a:solidFill>
                                   <a:schemeClr val="accent1"/>
                                 </a:solidFill>
@@ -4488,7 +4438,7 @@
                           </m:accPr>
                           <m:e>
                             <m:r>
-                              <a:rPr lang="en-US" b="1" i="0" smtClean="0">
+                              <a:rPr lang="en-US" b="1">
                                 <a:solidFill>
                                   <a:schemeClr val="accent1"/>
                                 </a:solidFill>
@@ -4499,7 +4449,7 @@
                           </m:e>
                         </m:acc>
                         <m:r>
-                          <a:rPr lang="en-US" b="0" i="1" smtClean="0">
+                          <a:rPr lang="en-US" i="1">
                             <a:solidFill>
                               <a:schemeClr val="accent1"/>
                             </a:solidFill>
@@ -4511,7 +4461,7 @@
                           <m:accPr>
                             <m:chr m:val="̂"/>
                             <m:ctrlPr>
-                              <a:rPr lang="en-US" b="1" i="1" smtClean="0">
+                              <a:rPr lang="en-US" b="1" i="1">
                                 <a:solidFill>
                                   <a:schemeClr val="accent1"/>
                                 </a:solidFill>
@@ -4521,7 +4471,7 @@
                           </m:accPr>
                           <m:e>
                             <m:r>
-                              <a:rPr lang="en-US" b="1" i="1" smtClean="0">
+                              <a:rPr lang="en-US" b="1" i="1">
                                 <a:solidFill>
                                   <a:schemeClr val="accent1"/>
                                 </a:solidFill>
@@ -4532,7 +4482,7 @@
                           </m:e>
                         </m:acc>
                         <m:r>
-                          <a:rPr lang="en-US" b="0" i="1" smtClean="0">
+                          <a:rPr lang="en-US" i="1">
                             <a:latin typeface="Cambria Math" panose="02040503050406030204" pitchFamily="18" charset="0"/>
                           </a:rPr>
                           <m:t>, </m:t>
@@ -4541,7 +4491,7 @@
                           <m:accPr>
                             <m:chr m:val="̂"/>
                             <m:ctrlPr>
-                              <a:rPr lang="en-US" b="1" i="1" smtClean="0">
+                              <a:rPr lang="en-US" b="1" i="1">
                                 <a:solidFill>
                                   <a:schemeClr val="accent2"/>
                                 </a:solidFill>
@@ -4551,7 +4501,7 @@
                           </m:accPr>
                           <m:e>
                             <m:r>
-                              <a:rPr lang="en-US" b="1" i="0" smtClean="0">
+                              <a:rPr lang="en-US" b="1">
                                 <a:solidFill>
                                   <a:schemeClr val="accent2"/>
                                 </a:solidFill>
@@ -4562,7 +4512,7 @@
                           </m:e>
                         </m:acc>
                         <m:r>
-                          <a:rPr lang="en-US" b="1" i="0" smtClean="0">
+                          <a:rPr lang="en-US" b="1">
                             <a:solidFill>
                               <a:schemeClr val="accent2"/>
                             </a:solidFill>
@@ -4588,7 +4538,7 @@
                           <m:accPr>
                             <m:chr m:val="̂"/>
                             <m:ctrlPr>
-                              <a:rPr lang="en-US" b="1" i="1" smtClean="0">
+                              <a:rPr lang="en-US" b="1" i="1">
                                 <a:solidFill>
                                   <a:schemeClr val="accent2"/>
                                 </a:solidFill>
@@ -4598,7 +4548,7 @@
                           </m:accPr>
                           <m:e>
                             <m:r>
-                              <a:rPr lang="en-US" b="1" i="1" smtClean="0">
+                              <a:rPr lang="en-US" b="1" i="1">
                                 <a:solidFill>
                                   <a:schemeClr val="accent2"/>
                                 </a:solidFill>
@@ -4636,7 +4586,7 @@
                 <p:spPr>
                   <a:xfrm>
                     <a:off x="4757739" y="1527571"/>
-                    <a:ext cx="2156701" cy="378693"/>
+                    <a:ext cx="2156701" cy="342979"/>
                   </a:xfrm>
                   <a:prstGeom prst="rect">
                     <a:avLst/>
@@ -4644,7 +4594,7 @@
                   <a:blipFill>
                     <a:blip r:embed="rId3"/>
                     <a:stretch>
-                      <a:fillRect t="-1515" r="-30899" b="-4545"/>
+                      <a:fillRect t="-1667" r="-30532" b="-15000"/>
                     </a:stretch>
                   </a:blipFill>
                   <a:ln w="19050">
@@ -4683,7 +4633,7 @@
             <p:spPr>
               <a:xfrm>
                 <a:off x="4757738" y="1199543"/>
-                <a:ext cx="2156701" cy="378693"/>
+                <a:ext cx="2156701" cy="334707"/>
               </a:xfrm>
               <a:prstGeom prst="rect">
                 <a:avLst/>
@@ -5320,7 +5270,7 @@
                   <p:spPr>
                     <a:xfrm>
                       <a:off x="1503237" y="4743744"/>
-                      <a:ext cx="2156701" cy="378693"/>
+                      <a:ext cx="2156701" cy="342979"/>
                     </a:xfrm>
                     <a:prstGeom prst="rect">
                       <a:avLst/>
@@ -5344,14 +5294,14 @@
                             <m:accPr>
                               <m:chr m:val="̂"/>
                               <m:ctrlPr>
-                                <a:rPr lang="en-US" b="1" i="1" smtClean="0">
+                                <a:rPr lang="en-US" b="1" i="1">
                                   <a:latin typeface="Cambria Math" panose="02040503050406030204" pitchFamily="18" charset="0"/>
                                 </a:rPr>
                               </m:ctrlPr>
                             </m:accPr>
                             <m:e>
                               <m:r>
-                                <a:rPr lang="en-US" b="1" i="1" smtClean="0">
+                                <a:rPr lang="en-US" b="1" i="1">
                                   <a:latin typeface="Cambria Math" panose="02040503050406030204" pitchFamily="18" charset="0"/>
                                 </a:rPr>
                                 <m:t>𝒙</m:t>
@@ -5359,7 +5309,7 @@
                             </m:e>
                           </m:acc>
                           <m:r>
-                            <a:rPr lang="en-US" b="0" i="1" smtClean="0">
+                            <a:rPr lang="en-US" i="1">
                               <a:latin typeface="Cambria Math" panose="02040503050406030204" pitchFamily="18" charset="0"/>
                             </a:rPr>
                             <m:t>, </m:t>
@@ -5368,7 +5318,7 @@
                             <m:accPr>
                               <m:chr m:val="̂"/>
                               <m:ctrlPr>
-                                <a:rPr lang="en-US" b="0" i="1" smtClean="0">
+                                <a:rPr lang="en-US" i="1">
                                   <a:solidFill>
                                     <a:schemeClr val="accent1"/>
                                   </a:solidFill>
@@ -5378,7 +5328,7 @@
                             </m:accPr>
                             <m:e>
                               <m:r>
-                                <a:rPr lang="en-US" b="1" i="0" smtClean="0">
+                                <a:rPr lang="en-US" b="1">
                                   <a:solidFill>
                                     <a:schemeClr val="accent1"/>
                                   </a:solidFill>
@@ -5389,7 +5339,7 @@
                             </m:e>
                           </m:acc>
                           <m:r>
-                            <a:rPr lang="en-US" b="0" i="1" smtClean="0">
+                            <a:rPr lang="en-US" i="1">
                               <a:solidFill>
                                 <a:schemeClr val="accent1"/>
                               </a:solidFill>
@@ -5401,7 +5351,7 @@
                             <m:accPr>
                               <m:chr m:val="̂"/>
                               <m:ctrlPr>
-                                <a:rPr lang="en-US" b="1" i="1" smtClean="0">
+                                <a:rPr lang="en-US" b="1" i="1">
                                   <a:solidFill>
                                     <a:schemeClr val="accent1"/>
                                   </a:solidFill>
@@ -5411,7 +5361,7 @@
                             </m:accPr>
                             <m:e>
                               <m:r>
-                                <a:rPr lang="en-US" b="1" i="1" smtClean="0">
+                                <a:rPr lang="en-US" b="1" i="1">
                                   <a:solidFill>
                                     <a:schemeClr val="accent1"/>
                                   </a:solidFill>
@@ -5422,7 +5372,7 @@
                             </m:e>
                           </m:acc>
                           <m:r>
-                            <a:rPr lang="en-US" b="0" i="1" smtClean="0">
+                            <a:rPr lang="en-US" i="1">
                               <a:latin typeface="Cambria Math" panose="02040503050406030204" pitchFamily="18" charset="0"/>
                             </a:rPr>
                             <m:t>, </m:t>
@@ -5431,7 +5381,7 @@
                             <m:accPr>
                               <m:chr m:val="̂"/>
                               <m:ctrlPr>
-                                <a:rPr lang="en-US" b="1" i="1" smtClean="0">
+                                <a:rPr lang="en-US" b="1" i="1">
                                   <a:solidFill>
                                     <a:schemeClr val="accent2"/>
                                   </a:solidFill>
@@ -5441,7 +5391,7 @@
                             </m:accPr>
                             <m:e>
                               <m:r>
-                                <a:rPr lang="en-US" b="1" i="0" smtClean="0">
+                                <a:rPr lang="en-US" b="1">
                                   <a:solidFill>
                                     <a:schemeClr val="accent2"/>
                                   </a:solidFill>
@@ -5452,7 +5402,7 @@
                             </m:e>
                           </m:acc>
                           <m:r>
-                            <a:rPr lang="en-US" b="1" i="0" smtClean="0">
+                            <a:rPr lang="en-US" b="1">
                               <a:solidFill>
                                 <a:schemeClr val="accent2"/>
                               </a:solidFill>
@@ -5478,7 +5428,7 @@
                             <m:accPr>
                               <m:chr m:val="̂"/>
                               <m:ctrlPr>
-                                <a:rPr lang="en-US" b="1" i="1" smtClean="0">
+                                <a:rPr lang="en-US" b="1" i="1">
                                   <a:solidFill>
                                     <a:schemeClr val="accent2"/>
                                   </a:solidFill>
@@ -5526,7 +5476,7 @@
                   <p:spPr>
                     <a:xfrm>
                       <a:off x="1503237" y="4743744"/>
-                      <a:ext cx="2156701" cy="378693"/>
+                      <a:ext cx="2156701" cy="342979"/>
                     </a:xfrm>
                     <a:prstGeom prst="rect">
                       <a:avLst/>
@@ -5534,7 +5484,7 @@
                     <a:blipFill>
                       <a:blip r:embed="rId4"/>
                       <a:stretch>
-                        <a:fillRect t="-1538" r="-31180" b="-6154"/>
+                        <a:fillRect t="-1695" r="-30812" b="-16949"/>
                       </a:stretch>
                     </a:blipFill>
                     <a:ln w="19050">
@@ -5574,7 +5524,7 @@
             <p:spPr>
               <a:xfrm>
                 <a:off x="1503236" y="4415716"/>
-                <a:ext cx="2156701" cy="369332"/>
+                <a:ext cx="2156701" cy="334707"/>
               </a:xfrm>
               <a:prstGeom prst="rect">
                 <a:avLst/>
@@ -6211,7 +6161,7 @@
                   <p:spPr>
                     <a:xfrm>
                       <a:off x="4757738" y="4743744"/>
-                      <a:ext cx="2156701" cy="378693"/>
+                      <a:ext cx="2156701" cy="342979"/>
                     </a:xfrm>
                     <a:prstGeom prst="rect">
                       <a:avLst/>
@@ -6235,14 +6185,14 @@
                             <m:accPr>
                               <m:chr m:val="̂"/>
                               <m:ctrlPr>
-                                <a:rPr lang="en-US" b="1" i="1" smtClean="0">
+                                <a:rPr lang="en-US" b="1" i="1">
                                   <a:latin typeface="Cambria Math" panose="02040503050406030204" pitchFamily="18" charset="0"/>
                                 </a:rPr>
                               </m:ctrlPr>
                             </m:accPr>
                             <m:e>
                               <m:r>
-                                <a:rPr lang="en-US" b="1" i="1" smtClean="0">
+                                <a:rPr lang="en-US" b="1" i="1">
                                   <a:latin typeface="Cambria Math" panose="02040503050406030204" pitchFamily="18" charset="0"/>
                                 </a:rPr>
                                 <m:t>𝒙</m:t>
@@ -6250,7 +6200,7 @@
                             </m:e>
                           </m:acc>
                           <m:r>
-                            <a:rPr lang="en-US" b="0" i="1" smtClean="0">
+                            <a:rPr lang="en-US" i="1">
                               <a:latin typeface="Cambria Math" panose="02040503050406030204" pitchFamily="18" charset="0"/>
                             </a:rPr>
                             <m:t>, </m:t>
@@ -6259,7 +6209,7 @@
                             <m:accPr>
                               <m:chr m:val="̂"/>
                               <m:ctrlPr>
-                                <a:rPr lang="en-US" b="0" i="1" smtClean="0">
+                                <a:rPr lang="en-US" i="1">
                                   <a:solidFill>
                                     <a:schemeClr val="accent1"/>
                                   </a:solidFill>
@@ -6269,7 +6219,7 @@
                             </m:accPr>
                             <m:e>
                               <m:r>
-                                <a:rPr lang="en-US" b="1" i="0" smtClean="0">
+                                <a:rPr lang="en-US" b="1">
                                   <a:solidFill>
                                     <a:schemeClr val="accent1"/>
                                   </a:solidFill>
@@ -6280,7 +6230,7 @@
                             </m:e>
                           </m:acc>
                           <m:r>
-                            <a:rPr lang="en-US" b="0" i="1" smtClean="0">
+                            <a:rPr lang="en-US" i="1">
                               <a:solidFill>
                                 <a:schemeClr val="accent1"/>
                               </a:solidFill>
@@ -6292,7 +6242,7 @@
                             <m:accPr>
                               <m:chr m:val="̂"/>
                               <m:ctrlPr>
-                                <a:rPr lang="en-US" b="1" i="1" smtClean="0">
+                                <a:rPr lang="en-US" b="1" i="1">
                                   <a:solidFill>
                                     <a:schemeClr val="accent1"/>
                                   </a:solidFill>
@@ -6302,7 +6252,7 @@
                             </m:accPr>
                             <m:e>
                               <m:r>
-                                <a:rPr lang="en-US" b="1" i="1" smtClean="0">
+                                <a:rPr lang="en-US" b="1" i="1">
                                   <a:solidFill>
                                     <a:schemeClr val="accent1"/>
                                   </a:solidFill>
@@ -6313,7 +6263,7 @@
                             </m:e>
                           </m:acc>
                           <m:r>
-                            <a:rPr lang="en-US" b="0" i="1" smtClean="0">
+                            <a:rPr lang="en-US" i="1">
                               <a:latin typeface="Cambria Math" panose="02040503050406030204" pitchFamily="18" charset="0"/>
                             </a:rPr>
                             <m:t>, </m:t>
@@ -6322,7 +6272,7 @@
                             <m:accPr>
                               <m:chr m:val="̂"/>
                               <m:ctrlPr>
-                                <a:rPr lang="en-US" b="1" i="1" smtClean="0">
+                                <a:rPr lang="en-US" b="1" i="1">
                                   <a:solidFill>
                                     <a:schemeClr val="accent2"/>
                                   </a:solidFill>
@@ -6332,7 +6282,7 @@
                             </m:accPr>
                             <m:e>
                               <m:r>
-                                <a:rPr lang="en-US" b="1" i="0" smtClean="0">
+                                <a:rPr lang="en-US" b="1">
                                   <a:solidFill>
                                     <a:schemeClr val="accent2"/>
                                   </a:solidFill>
@@ -6343,7 +6293,7 @@
                             </m:e>
                           </m:acc>
                           <m:r>
-                            <a:rPr lang="en-US" b="1" i="0" smtClean="0">
+                            <a:rPr lang="en-US" b="1">
                               <a:solidFill>
                                 <a:schemeClr val="accent2"/>
                               </a:solidFill>
@@ -6369,7 +6319,7 @@
                             <m:accPr>
                               <m:chr m:val="̂"/>
                               <m:ctrlPr>
-                                <a:rPr lang="en-US" b="1" i="1" smtClean="0">
+                                <a:rPr lang="en-US" b="1" i="1">
                                   <a:solidFill>
                                     <a:schemeClr val="accent2"/>
                                   </a:solidFill>
@@ -6379,7 +6329,7 @@
                             </m:accPr>
                             <m:e>
                               <m:r>
-                                <a:rPr lang="en-US" b="1" i="1" smtClean="0">
+                                <a:rPr lang="en-US" b="1" i="1">
                                   <a:solidFill>
                                     <a:schemeClr val="accent2"/>
                                   </a:solidFill>
@@ -6417,7 +6367,7 @@
                   <p:spPr>
                     <a:xfrm>
                       <a:off x="4757738" y="4743744"/>
-                      <a:ext cx="2156701" cy="378693"/>
+                      <a:ext cx="2156701" cy="342979"/>
                     </a:xfrm>
                     <a:prstGeom prst="rect">
                       <a:avLst/>
@@ -6425,7 +6375,7 @@
                     <a:blipFill>
                       <a:blip r:embed="rId5"/>
                       <a:stretch>
-                        <a:fillRect t="-1538" r="-31180" b="-6154"/>
+                        <a:fillRect t="-1695" r="-30812" b="-16949"/>
                       </a:stretch>
                     </a:blipFill>
                     <a:ln w="19050">
@@ -6465,7 +6415,7 @@
             <p:spPr>
               <a:xfrm>
                 <a:off x="4757737" y="4415716"/>
-                <a:ext cx="2156701" cy="369332"/>
+                <a:ext cx="2156701" cy="334707"/>
               </a:xfrm>
               <a:prstGeom prst="rect">
                 <a:avLst/>
@@ -6492,6 +6442,466 @@
             </p:txBody>
           </p:sp>
         </p:grpSp>
+        <p:sp>
+          <p:nvSpPr>
+            <p:cNvPr id="101" name="Arc 100">
+              <a:extLst>
+                <a:ext uri="{FF2B5EF4-FFF2-40B4-BE49-F238E27FC236}">
+                  <a16:creationId xmlns:a16="http://schemas.microsoft.com/office/drawing/2014/main" id="{B1B947A8-1D9F-4553-8DB7-899783D2C9CF}"/>
+                </a:ext>
+              </a:extLst>
+            </p:cNvPr>
+            <p:cNvSpPr/>
+            <p:nvPr/>
+          </p:nvSpPr>
+          <p:spPr>
+            <a:xfrm rot="1241510" flipH="1">
+              <a:off x="2522494" y="3059569"/>
+              <a:ext cx="287488" cy="366581"/>
+            </a:xfrm>
+            <a:prstGeom prst="arc">
+              <a:avLst>
+                <a:gd name="adj1" fmla="val 16200000"/>
+                <a:gd name="adj2" fmla="val 14429895"/>
+              </a:avLst>
+            </a:prstGeom>
+            <a:ln w="38100"/>
+          </p:spPr>
+          <p:style>
+            <a:lnRef idx="1">
+              <a:schemeClr val="accent1"/>
+            </a:lnRef>
+            <a:fillRef idx="0">
+              <a:schemeClr val="accent1"/>
+            </a:fillRef>
+            <a:effectRef idx="0">
+              <a:schemeClr val="accent1"/>
+            </a:effectRef>
+            <a:fontRef idx="minor">
+              <a:schemeClr val="tx1"/>
+            </a:fontRef>
+          </p:style>
+          <p:txBody>
+            <a:bodyPr rtlCol="0" anchor="ctr"/>
+            <a:lstStyle/>
+            <a:p>
+              <a:pPr algn="ctr"/>
+              <a:endParaRPr lang="en-US"/>
+            </a:p>
+          </p:txBody>
+        </p:sp>
+        <p:cxnSp>
+          <p:nvCxnSpPr>
+            <p:cNvPr id="32" name="Straight Arrow Connector 31">
+              <a:extLst>
+                <a:ext uri="{FF2B5EF4-FFF2-40B4-BE49-F238E27FC236}">
+                  <a16:creationId xmlns:a16="http://schemas.microsoft.com/office/drawing/2014/main" id="{0A8BA8D9-5366-4426-B35E-5F05062F5842}"/>
+                </a:ext>
+              </a:extLst>
+            </p:cNvPr>
+            <p:cNvCxnSpPr>
+              <a:cxnSpLocks/>
+            </p:cNvCxnSpPr>
+            <p:nvPr/>
+          </p:nvCxnSpPr>
+          <p:spPr>
+            <a:xfrm>
+              <a:off x="2649845" y="3244621"/>
+              <a:ext cx="375255" cy="121117"/>
+            </a:xfrm>
+            <a:prstGeom prst="straightConnector1">
+              <a:avLst/>
+            </a:prstGeom>
+            <a:ln w="38100">
+              <a:solidFill>
+                <a:schemeClr val="accent2"/>
+              </a:solidFill>
+              <a:tailEnd type="triangle"/>
+            </a:ln>
+          </p:spPr>
+          <p:style>
+            <a:lnRef idx="1">
+              <a:schemeClr val="accent1"/>
+            </a:lnRef>
+            <a:fillRef idx="0">
+              <a:schemeClr val="accent1"/>
+            </a:fillRef>
+            <a:effectRef idx="0">
+              <a:schemeClr val="accent1"/>
+            </a:effectRef>
+            <a:fontRef idx="minor">
+              <a:schemeClr val="tx1"/>
+            </a:fontRef>
+          </p:style>
+        </p:cxnSp>
+        <p:sp>
+          <p:nvSpPr>
+            <p:cNvPr id="90" name="Arc 89">
+              <a:extLst>
+                <a:ext uri="{FF2B5EF4-FFF2-40B4-BE49-F238E27FC236}">
+                  <a16:creationId xmlns:a16="http://schemas.microsoft.com/office/drawing/2014/main" id="{AF4554CA-8309-4DDE-A0A1-8DB36141ECB2}"/>
+                </a:ext>
+              </a:extLst>
+            </p:cNvPr>
+            <p:cNvSpPr/>
+            <p:nvPr/>
+          </p:nvSpPr>
+          <p:spPr>
+            <a:xfrm rot="1241510" flipH="1">
+              <a:off x="2575949" y="6108639"/>
+              <a:ext cx="287488" cy="366581"/>
+            </a:xfrm>
+            <a:prstGeom prst="arc">
+              <a:avLst>
+                <a:gd name="adj1" fmla="val 16200000"/>
+                <a:gd name="adj2" fmla="val 14429895"/>
+              </a:avLst>
+            </a:prstGeom>
+            <a:ln w="38100"/>
+          </p:spPr>
+          <p:style>
+            <a:lnRef idx="1">
+              <a:schemeClr val="accent1"/>
+            </a:lnRef>
+            <a:fillRef idx="0">
+              <a:schemeClr val="accent1"/>
+            </a:fillRef>
+            <a:effectRef idx="0">
+              <a:schemeClr val="accent1"/>
+            </a:effectRef>
+            <a:fontRef idx="minor">
+              <a:schemeClr val="tx1"/>
+            </a:fontRef>
+          </p:style>
+          <p:txBody>
+            <a:bodyPr rtlCol="0" anchor="ctr"/>
+            <a:lstStyle/>
+            <a:p>
+              <a:pPr algn="ctr"/>
+              <a:endParaRPr lang="en-US"/>
+            </a:p>
+          </p:txBody>
+        </p:sp>
+        <p:cxnSp>
+          <p:nvCxnSpPr>
+            <p:cNvPr id="91" name="Straight Arrow Connector 90">
+              <a:extLst>
+                <a:ext uri="{FF2B5EF4-FFF2-40B4-BE49-F238E27FC236}">
+                  <a16:creationId xmlns:a16="http://schemas.microsoft.com/office/drawing/2014/main" id="{36AF8DE1-944C-41A5-9936-DCF2CE817EB0}"/>
+                </a:ext>
+              </a:extLst>
+            </p:cNvPr>
+            <p:cNvCxnSpPr>
+              <a:cxnSpLocks/>
+              <a:stCxn id="90" idx="2"/>
+              <a:endCxn id="90" idx="0"/>
+            </p:cNvCxnSpPr>
+            <p:nvPr/>
+          </p:nvCxnSpPr>
+          <p:spPr>
+            <a:xfrm flipH="1" flipV="1">
+              <a:off x="2784457" y="6120462"/>
+              <a:ext cx="66436" cy="62131"/>
+            </a:xfrm>
+            <a:prstGeom prst="straightConnector1">
+              <a:avLst/>
+            </a:prstGeom>
+            <a:ln w="38100">
+              <a:tailEnd type="triangle"/>
+            </a:ln>
+          </p:spPr>
+          <p:style>
+            <a:lnRef idx="1">
+              <a:schemeClr val="accent1"/>
+            </a:lnRef>
+            <a:fillRef idx="0">
+              <a:schemeClr val="accent1"/>
+            </a:fillRef>
+            <a:effectRef idx="0">
+              <a:schemeClr val="accent1"/>
+            </a:effectRef>
+            <a:fontRef idx="minor">
+              <a:schemeClr val="tx1"/>
+            </a:fontRef>
+          </p:style>
+        </p:cxnSp>
+        <p:cxnSp>
+          <p:nvCxnSpPr>
+            <p:cNvPr id="102" name="Straight Arrow Connector 101">
+              <a:extLst>
+                <a:ext uri="{FF2B5EF4-FFF2-40B4-BE49-F238E27FC236}">
+                  <a16:creationId xmlns:a16="http://schemas.microsoft.com/office/drawing/2014/main" id="{E7BCE9B3-2904-4646-B335-95DF6CA2B973}"/>
+                </a:ext>
+              </a:extLst>
+            </p:cNvPr>
+            <p:cNvCxnSpPr>
+              <a:cxnSpLocks/>
+              <a:stCxn id="101" idx="2"/>
+              <a:endCxn id="101" idx="0"/>
+            </p:cNvCxnSpPr>
+            <p:nvPr/>
+          </p:nvCxnSpPr>
+          <p:spPr>
+            <a:xfrm flipH="1" flipV="1">
+              <a:off x="2731002" y="3071392"/>
+              <a:ext cx="66436" cy="62131"/>
+            </a:xfrm>
+            <a:prstGeom prst="straightConnector1">
+              <a:avLst/>
+            </a:prstGeom>
+            <a:ln w="38100">
+              <a:tailEnd type="triangle"/>
+            </a:ln>
+          </p:spPr>
+          <p:style>
+            <a:lnRef idx="1">
+              <a:schemeClr val="accent1"/>
+            </a:lnRef>
+            <a:fillRef idx="0">
+              <a:schemeClr val="accent1"/>
+            </a:fillRef>
+            <a:effectRef idx="0">
+              <a:schemeClr val="accent1"/>
+            </a:effectRef>
+            <a:fontRef idx="minor">
+              <a:schemeClr val="tx1"/>
+            </a:fontRef>
+          </p:style>
+        </p:cxnSp>
+        <p:sp>
+          <p:nvSpPr>
+            <p:cNvPr id="8" name="Oval 7">
+              <a:extLst>
+                <a:ext uri="{FF2B5EF4-FFF2-40B4-BE49-F238E27FC236}">
+                  <a16:creationId xmlns:a16="http://schemas.microsoft.com/office/drawing/2014/main" id="{89689155-9995-402E-B259-6501115C342F}"/>
+                </a:ext>
+              </a:extLst>
+            </p:cNvPr>
+            <p:cNvSpPr/>
+            <p:nvPr/>
+          </p:nvSpPr>
+          <p:spPr>
+            <a:xfrm>
+              <a:off x="2593471" y="3188822"/>
+              <a:ext cx="112986" cy="112986"/>
+            </a:xfrm>
+            <a:prstGeom prst="ellipse">
+              <a:avLst/>
+            </a:prstGeom>
+            <a:solidFill>
+              <a:schemeClr val="tx1"/>
+            </a:solidFill>
+            <a:ln>
+              <a:solidFill>
+                <a:schemeClr val="tx1"/>
+              </a:solidFill>
+            </a:ln>
+          </p:spPr>
+          <p:style>
+            <a:lnRef idx="2">
+              <a:schemeClr val="accent1">
+                <a:shade val="50000"/>
+              </a:schemeClr>
+            </a:lnRef>
+            <a:fillRef idx="1">
+              <a:schemeClr val="accent1"/>
+            </a:fillRef>
+            <a:effectRef idx="0">
+              <a:schemeClr val="accent1"/>
+            </a:effectRef>
+            <a:fontRef idx="minor">
+              <a:schemeClr val="lt1"/>
+            </a:fontRef>
+          </p:style>
+          <p:txBody>
+            <a:bodyPr rtlCol="0" anchor="ctr"/>
+            <a:lstStyle/>
+            <a:p>
+              <a:pPr algn="ctr"/>
+              <a:endParaRPr lang="en-US"/>
+            </a:p>
+          </p:txBody>
+        </p:sp>
+        <p:sp>
+          <p:nvSpPr>
+            <p:cNvPr id="104" name="Arc 103">
+              <a:extLst>
+                <a:ext uri="{FF2B5EF4-FFF2-40B4-BE49-F238E27FC236}">
+                  <a16:creationId xmlns:a16="http://schemas.microsoft.com/office/drawing/2014/main" id="{CF518987-6558-4E82-93C4-3936D0E81521}"/>
+                </a:ext>
+              </a:extLst>
+            </p:cNvPr>
+            <p:cNvSpPr/>
+            <p:nvPr/>
+          </p:nvSpPr>
+          <p:spPr>
+            <a:xfrm flipH="1">
+              <a:off x="2277061" y="9149331"/>
+              <a:ext cx="268166" cy="366581"/>
+            </a:xfrm>
+            <a:prstGeom prst="arc">
+              <a:avLst>
+                <a:gd name="adj1" fmla="val 16200000"/>
+                <a:gd name="adj2" fmla="val 14186455"/>
+              </a:avLst>
+            </a:prstGeom>
+            <a:ln w="38100"/>
+          </p:spPr>
+          <p:style>
+            <a:lnRef idx="1">
+              <a:schemeClr val="accent1"/>
+            </a:lnRef>
+            <a:fillRef idx="0">
+              <a:schemeClr val="accent1"/>
+            </a:fillRef>
+            <a:effectRef idx="0">
+              <a:schemeClr val="accent1"/>
+            </a:effectRef>
+            <a:fontRef idx="minor">
+              <a:schemeClr val="tx1"/>
+            </a:fontRef>
+          </p:style>
+          <p:txBody>
+            <a:bodyPr rtlCol="0" anchor="ctr"/>
+            <a:lstStyle/>
+            <a:p>
+              <a:pPr algn="ctr"/>
+              <a:endParaRPr lang="en-US"/>
+            </a:p>
+          </p:txBody>
+        </p:sp>
+        <p:cxnSp>
+          <p:nvCxnSpPr>
+            <p:cNvPr id="105" name="Straight Arrow Connector 104">
+              <a:extLst>
+                <a:ext uri="{FF2B5EF4-FFF2-40B4-BE49-F238E27FC236}">
+                  <a16:creationId xmlns:a16="http://schemas.microsoft.com/office/drawing/2014/main" id="{9EF491C6-2E95-4816-9D7F-9637CF71DA9C}"/>
+                </a:ext>
+              </a:extLst>
+            </p:cNvPr>
+            <p:cNvCxnSpPr>
+              <a:cxnSpLocks/>
+              <a:stCxn id="104" idx="2"/>
+              <a:endCxn id="104" idx="0"/>
+            </p:cNvCxnSpPr>
+            <p:nvPr/>
+          </p:nvCxnSpPr>
+          <p:spPr>
+            <a:xfrm flipH="1" flipV="1">
+              <a:off x="2411144" y="9149331"/>
+              <a:ext cx="90070" cy="47513"/>
+            </a:xfrm>
+            <a:prstGeom prst="straightConnector1">
+              <a:avLst/>
+            </a:prstGeom>
+            <a:ln w="38100">
+              <a:tailEnd type="triangle"/>
+            </a:ln>
+          </p:spPr>
+          <p:style>
+            <a:lnRef idx="1">
+              <a:schemeClr val="accent1"/>
+            </a:lnRef>
+            <a:fillRef idx="0">
+              <a:schemeClr val="accent1"/>
+            </a:fillRef>
+            <a:effectRef idx="0">
+              <a:schemeClr val="accent1"/>
+            </a:effectRef>
+            <a:fontRef idx="minor">
+              <a:schemeClr val="tx1"/>
+            </a:fontRef>
+          </p:style>
+        </p:cxnSp>
+        <p:sp>
+          <p:nvSpPr>
+            <p:cNvPr id="117" name="Arc 116">
+              <a:extLst>
+                <a:ext uri="{FF2B5EF4-FFF2-40B4-BE49-F238E27FC236}">
+                  <a16:creationId xmlns:a16="http://schemas.microsoft.com/office/drawing/2014/main" id="{F2A1433A-3D96-47D9-A9F9-457E58742762}"/>
+                </a:ext>
+              </a:extLst>
+            </p:cNvPr>
+            <p:cNvSpPr/>
+            <p:nvPr/>
+          </p:nvSpPr>
+          <p:spPr>
+            <a:xfrm rot="338792" flipH="1">
+              <a:off x="2353829" y="12159035"/>
+              <a:ext cx="268166" cy="366581"/>
+            </a:xfrm>
+            <a:prstGeom prst="arc">
+              <a:avLst>
+                <a:gd name="adj1" fmla="val 2518987"/>
+                <a:gd name="adj2" fmla="val 14186455"/>
+              </a:avLst>
+            </a:prstGeom>
+            <a:ln w="38100"/>
+          </p:spPr>
+          <p:style>
+            <a:lnRef idx="1">
+              <a:schemeClr val="accent1"/>
+            </a:lnRef>
+            <a:fillRef idx="0">
+              <a:schemeClr val="accent1"/>
+            </a:fillRef>
+            <a:effectRef idx="0">
+              <a:schemeClr val="accent1"/>
+            </a:effectRef>
+            <a:fontRef idx="minor">
+              <a:schemeClr val="tx1"/>
+            </a:fontRef>
+          </p:style>
+          <p:txBody>
+            <a:bodyPr rtlCol="0" anchor="ctr"/>
+            <a:lstStyle/>
+            <a:p>
+              <a:pPr algn="ctr"/>
+              <a:endParaRPr lang="en-US"/>
+            </a:p>
+          </p:txBody>
+        </p:sp>
+        <p:cxnSp>
+          <p:nvCxnSpPr>
+            <p:cNvPr id="118" name="Straight Arrow Connector 117">
+              <a:extLst>
+                <a:ext uri="{FF2B5EF4-FFF2-40B4-BE49-F238E27FC236}">
+                  <a16:creationId xmlns:a16="http://schemas.microsoft.com/office/drawing/2014/main" id="{D625C522-F13E-4A73-BC0F-5F6EEBC950A0}"/>
+                </a:ext>
+              </a:extLst>
+            </p:cNvPr>
+            <p:cNvCxnSpPr>
+              <a:cxnSpLocks/>
+            </p:cNvCxnSpPr>
+            <p:nvPr/>
+          </p:nvCxnSpPr>
+          <p:spPr>
+            <a:xfrm rot="338792" flipH="1" flipV="1">
+              <a:off x="2505946" y="12159924"/>
+              <a:ext cx="84958" cy="56145"/>
+            </a:xfrm>
+            <a:prstGeom prst="straightConnector1">
+              <a:avLst/>
+            </a:prstGeom>
+            <a:ln w="38100">
+              <a:tailEnd type="triangle"/>
+            </a:ln>
+          </p:spPr>
+          <p:style>
+            <a:lnRef idx="1">
+              <a:schemeClr val="accent1"/>
+            </a:lnRef>
+            <a:fillRef idx="0">
+              <a:schemeClr val="accent1"/>
+            </a:fillRef>
+            <a:effectRef idx="0">
+              <a:schemeClr val="accent1"/>
+            </a:effectRef>
+            <a:fontRef idx="minor">
+              <a:schemeClr val="tx1"/>
+            </a:fontRef>
+          </p:style>
+        </p:cxnSp>
       </p:grpSp>
     </p:spTree>
     <p:extLst>
